--- a/nips2016/images/illustrationCNNgraphs.pptx
+++ b/nips2016/images/illustrationCNNgraphs.pptx
@@ -5,13 +5,15 @@
     <p:sldMasterId id="2147483648" r:id="rId1"/>
   </p:sldMasterIdLst>
   <p:notesMasterIdLst>
-    <p:notesMasterId r:id="rId3"/>
+    <p:notesMasterId r:id="rId5"/>
   </p:notesMasterIdLst>
   <p:handoutMasterIdLst>
-    <p:handoutMasterId r:id="rId4"/>
+    <p:handoutMasterId r:id="rId6"/>
   </p:handoutMasterIdLst>
   <p:sldIdLst>
     <p:sldId id="404" r:id="rId2"/>
+    <p:sldId id="403" r:id="rId3"/>
+    <p:sldId id="402" r:id="rId4"/>
   </p:sldIdLst>
   <p:sldSz cx="9144000" cy="6858000" type="screen4x3"/>
   <p:notesSz cx="6858000" cy="9144000"/>
@@ -195,7 +197,7 @@
           <a:p>
             <a:fld id="{97766C76-E757-EC41-9848-03EC72B597BA}" type="datetime1">
               <a:rPr lang="fr-CH" smtClean="0"/>
-              <a:t>22/06/16</a:t>
+              <a:t>19/05/16</a:t>
             </a:fld>
             <a:endParaRPr lang="fr-FR"/>
           </a:p>
@@ -365,7 +367,7 @@
           <a:p>
             <a:fld id="{4BBEA5F5-09C0-C244-8E94-7CD693A4F916}" type="datetime1">
               <a:rPr lang="fr-CH" smtClean="0"/>
-              <a:t>22/06/16</a:t>
+              <a:t>19/05/16</a:t>
             </a:fld>
             <a:endParaRPr lang="fr-FR"/>
           </a:p>
@@ -872,7 +874,7 @@
                 <a:ea typeface="+mn-ea"/>
                 <a:cs typeface="+mn-cs"/>
               </a:rPr>
-              <a:t>{R}^{n_5F_5}</a:t>
+              <a:t>{R}^{n_4F_5}</a:t>
             </a:r>
           </a:p>
           <a:p>
@@ -1438,6 +1440,885 @@
               <a:t>{coarsening level}</a:t>
             </a:r>
           </a:p>
+          <a:p>
+            <a:endParaRPr lang="fr-FR" dirty="0"/>
+          </a:p>
+        </p:txBody>
+      </p:sp>
+    </p:spTree>
+    <p:extLst>
+      <p:ext uri="{BB962C8B-B14F-4D97-AF65-F5344CB8AC3E}">
+        <p14:creationId xmlns:p14="http://schemas.microsoft.com/office/powerpoint/2010/main" val="3067238854"/>
+      </p:ext>
+    </p:extLst>
+  </p:cSld>
+  <p:clrMapOvr>
+    <a:masterClrMapping/>
+  </p:clrMapOvr>
+</p:notes>
+</file>
+
+<file path=ppt/notesSlides/notesSlide2.xml><?xml version="1.0" encoding="utf-8"?>
+<p:notes xmlns:a="http://schemas.openxmlformats.org/drawingml/2006/main" xmlns:r="http://schemas.openxmlformats.org/officeDocument/2006/relationships" xmlns:p="http://schemas.openxmlformats.org/presentationml/2006/main">
+  <p:cSld>
+    <p:spTree>
+      <p:nvGrpSpPr>
+        <p:cNvPr id="1" name=""/>
+        <p:cNvGrpSpPr/>
+        <p:nvPr/>
+      </p:nvGrpSpPr>
+      <p:grpSpPr>
+        <a:xfrm>
+          <a:off x="0" y="0"/>
+          <a:ext cx="0" cy="0"/>
+          <a:chOff x="0" y="0"/>
+          <a:chExt cx="0" cy="0"/>
+        </a:xfrm>
+      </p:grpSpPr>
+      <p:sp>
+        <p:nvSpPr>
+          <p:cNvPr id="2" name="Espace réservé de l'image des diapositives 1"/>
+          <p:cNvSpPr>
+            <a:spLocks noGrp="1" noRot="1" noChangeAspect="1"/>
+          </p:cNvSpPr>
+          <p:nvPr>
+            <p:ph type="sldImg"/>
+          </p:nvPr>
+        </p:nvSpPr>
+        <p:spPr/>
+      </p:sp>
+      <p:sp>
+        <p:nvSpPr>
+          <p:cNvPr id="3" name="Espace réservé des commentaires 2"/>
+          <p:cNvSpPr>
+            <a:spLocks noGrp="1"/>
+          </p:cNvSpPr>
+          <p:nvPr>
+            <p:ph type="body" idx="1"/>
+          </p:nvPr>
+        </p:nvSpPr>
+        <p:spPr/>
+        <p:txBody>
+          <a:bodyPr/>
+          <a:lstStyle/>
+          <a:p>
+            <a:r>
+              <a:rPr lang="fr-FR" dirty="0" smtClean="0"/>
+              <a:t>16</a:t>
+            </a:r>
+          </a:p>
+          <a:p>
+            <a:r>
+              <a:rPr lang="en-US" sz="1200" kern="1200" dirty="0" smtClean="0">
+                <a:solidFill>
+                  <a:schemeClr val="tx1"/>
+                </a:solidFill>
+                <a:latin typeface="+mn-lt"/>
+                <a:ea typeface="+mn-ea"/>
+                <a:cs typeface="+mn-cs"/>
+              </a:rPr>
+              <a:t>x \in \</a:t>
+            </a:r>
+            <a:r>
+              <a:rPr lang="en-US" sz="1200" kern="1200" dirty="0" err="1" smtClean="0">
+                <a:solidFill>
+                  <a:schemeClr val="tx1"/>
+                </a:solidFill>
+                <a:latin typeface="+mn-lt"/>
+                <a:ea typeface="+mn-ea"/>
+                <a:cs typeface="+mn-cs"/>
+              </a:rPr>
+              <a:t>mathbb</a:t>
+            </a:r>
+            <a:r>
+              <a:rPr lang="en-US" sz="1200" kern="1200" dirty="0" smtClean="0">
+                <a:solidFill>
+                  <a:schemeClr val="tx1"/>
+                </a:solidFill>
+                <a:latin typeface="+mn-lt"/>
+                <a:ea typeface="+mn-ea"/>
+                <a:cs typeface="+mn-cs"/>
+              </a:rPr>
+              <a:t>{R}^n</a:t>
+            </a:r>
+          </a:p>
+          <a:p>
+            <a:r>
+              <a:rPr lang="en-US" sz="1200" kern="1200" dirty="0" smtClean="0">
+                <a:solidFill>
+                  <a:schemeClr val="tx1"/>
+                </a:solidFill>
+                <a:latin typeface="+mn-lt"/>
+                <a:ea typeface="+mn-ea"/>
+                <a:cs typeface="+mn-cs"/>
+              </a:rPr>
+              <a:t>x^{l=0} \in \</a:t>
+            </a:r>
+            <a:r>
+              <a:rPr lang="en-US" sz="1200" kern="1200" dirty="0" err="1" smtClean="0">
+                <a:solidFill>
+                  <a:schemeClr val="tx1"/>
+                </a:solidFill>
+                <a:latin typeface="+mn-lt"/>
+                <a:ea typeface="+mn-ea"/>
+                <a:cs typeface="+mn-cs"/>
+              </a:rPr>
+              <a:t>mathbb</a:t>
+            </a:r>
+            <a:r>
+              <a:rPr lang="en-US" sz="1200" kern="1200" dirty="0" smtClean="0">
+                <a:solidFill>
+                  <a:schemeClr val="tx1"/>
+                </a:solidFill>
+                <a:latin typeface="+mn-lt"/>
+                <a:ea typeface="+mn-ea"/>
+                <a:cs typeface="+mn-cs"/>
+              </a:rPr>
+              <a:t>{R}^{n_{l=0}}</a:t>
+            </a:r>
+          </a:p>
+          <a:p>
+            <a:r>
+              <a:rPr lang="en-US" sz="1200" kern="1200" dirty="0" smtClean="0">
+                <a:solidFill>
+                  <a:schemeClr val="tx1"/>
+                </a:solidFill>
+                <a:latin typeface="+mn-lt"/>
+                <a:ea typeface="+mn-ea"/>
+                <a:cs typeface="+mn-cs"/>
+              </a:rPr>
+              <a:t>x^{l=1} \in \</a:t>
+            </a:r>
+            <a:r>
+              <a:rPr lang="en-US" sz="1200" kern="1200" dirty="0" err="1" smtClean="0">
+                <a:solidFill>
+                  <a:schemeClr val="tx1"/>
+                </a:solidFill>
+                <a:latin typeface="+mn-lt"/>
+                <a:ea typeface="+mn-ea"/>
+                <a:cs typeface="+mn-cs"/>
+              </a:rPr>
+              <a:t>mathbb</a:t>
+            </a:r>
+            <a:r>
+              <a:rPr lang="en-US" sz="1200" kern="1200" dirty="0" smtClean="0">
+                <a:solidFill>
+                  <a:schemeClr val="tx1"/>
+                </a:solidFill>
+                <a:latin typeface="+mn-lt"/>
+                <a:ea typeface="+mn-ea"/>
+                <a:cs typeface="+mn-cs"/>
+              </a:rPr>
+              <a:t>{R}^{n_0F_1}</a:t>
+            </a:r>
+          </a:p>
+          <a:p>
+            <a:r>
+              <a:rPr lang="en-US" sz="1200" kern="1200" dirty="0" smtClean="0">
+                <a:solidFill>
+                  <a:schemeClr val="tx1"/>
+                </a:solidFill>
+                <a:latin typeface="+mn-lt"/>
+                <a:ea typeface="+mn-ea"/>
+                <a:cs typeface="+mn-cs"/>
+              </a:rPr>
+              <a:t>\theta^{l=1} \in \</a:t>
+            </a:r>
+            <a:r>
+              <a:rPr lang="en-US" sz="1200" kern="1200" dirty="0" err="1" smtClean="0">
+                <a:solidFill>
+                  <a:schemeClr val="tx1"/>
+                </a:solidFill>
+                <a:latin typeface="+mn-lt"/>
+                <a:ea typeface="+mn-ea"/>
+                <a:cs typeface="+mn-cs"/>
+              </a:rPr>
+              <a:t>mathbb</a:t>
+            </a:r>
+            <a:r>
+              <a:rPr lang="en-US" sz="1200" kern="1200" dirty="0" smtClean="0">
+                <a:solidFill>
+                  <a:schemeClr val="tx1"/>
+                </a:solidFill>
+                <a:latin typeface="+mn-lt"/>
+                <a:ea typeface="+mn-ea"/>
+                <a:cs typeface="+mn-cs"/>
+              </a:rPr>
+              <a:t>{R}^{K_1F_1}</a:t>
+            </a:r>
+          </a:p>
+          <a:p>
+            <a:r>
+              <a:rPr lang="en-US" sz="1200" kern="1200" dirty="0" smtClean="0">
+                <a:solidFill>
+                  <a:schemeClr val="tx1"/>
+                </a:solidFill>
+                <a:latin typeface="+mn-lt"/>
+                <a:ea typeface="+mn-ea"/>
+                <a:cs typeface="+mn-cs"/>
+              </a:rPr>
+              <a:t>n_1=n_0/2^{p_1}</a:t>
+            </a:r>
+          </a:p>
+          <a:p>
+            <a:r>
+              <a:rPr lang="en-US" sz="1200" kern="1200" dirty="0" smtClean="0">
+                <a:solidFill>
+                  <a:schemeClr val="tx1"/>
+                </a:solidFill>
+                <a:latin typeface="+mn-lt"/>
+                <a:ea typeface="+mn-ea"/>
+                <a:cs typeface="+mn-cs"/>
+              </a:rPr>
+              <a:t>x^{l=5} \in \</a:t>
+            </a:r>
+            <a:r>
+              <a:rPr lang="en-US" sz="1200" kern="1200" dirty="0" err="1" smtClean="0">
+                <a:solidFill>
+                  <a:schemeClr val="tx1"/>
+                </a:solidFill>
+                <a:latin typeface="+mn-lt"/>
+                <a:ea typeface="+mn-ea"/>
+                <a:cs typeface="+mn-cs"/>
+              </a:rPr>
+              <a:t>mathbb</a:t>
+            </a:r>
+            <a:r>
+              <a:rPr lang="en-US" sz="1200" kern="1200" dirty="0" smtClean="0">
+                <a:solidFill>
+                  <a:schemeClr val="tx1"/>
+                </a:solidFill>
+                <a:latin typeface="+mn-lt"/>
+                <a:ea typeface="+mn-ea"/>
+                <a:cs typeface="+mn-cs"/>
+              </a:rPr>
+              <a:t>{R}^{n_4F_5}</a:t>
+            </a:r>
+          </a:p>
+          <a:p>
+            <a:r>
+              <a:rPr lang="en-US" sz="1200" kern="1200" dirty="0" smtClean="0">
+                <a:solidFill>
+                  <a:schemeClr val="tx1"/>
+                </a:solidFill>
+                <a:latin typeface="+mn-lt"/>
+                <a:ea typeface="+mn-ea"/>
+                <a:cs typeface="+mn-cs"/>
+              </a:rPr>
+              <a:t>y \in \</a:t>
+            </a:r>
+            <a:r>
+              <a:rPr lang="en-US" sz="1200" kern="1200" dirty="0" err="1" smtClean="0">
+                <a:solidFill>
+                  <a:schemeClr val="tx1"/>
+                </a:solidFill>
+                <a:latin typeface="+mn-lt"/>
+                <a:ea typeface="+mn-ea"/>
+                <a:cs typeface="+mn-cs"/>
+              </a:rPr>
+              <a:t>mathbb</a:t>
+            </a:r>
+            <a:r>
+              <a:rPr lang="en-US" sz="1200" kern="1200" dirty="0" smtClean="0">
+                <a:solidFill>
+                  <a:schemeClr val="tx1"/>
+                </a:solidFill>
+                <a:latin typeface="+mn-lt"/>
+                <a:ea typeface="+mn-ea"/>
+                <a:cs typeface="+mn-cs"/>
+              </a:rPr>
+              <a:t>{R}^{</a:t>
+            </a:r>
+            <a:r>
+              <a:rPr lang="en-US" sz="1200" kern="1200" dirty="0" err="1" smtClean="0">
+                <a:solidFill>
+                  <a:schemeClr val="tx1"/>
+                </a:solidFill>
+                <a:latin typeface="+mn-lt"/>
+                <a:ea typeface="+mn-ea"/>
+                <a:cs typeface="+mn-cs"/>
+              </a:rPr>
+              <a:t>n_c</a:t>
+            </a:r>
+            <a:r>
+              <a:rPr lang="en-US" sz="1200" kern="1200" dirty="0" smtClean="0">
+                <a:solidFill>
+                  <a:schemeClr val="tx1"/>
+                </a:solidFill>
+                <a:latin typeface="+mn-lt"/>
+                <a:ea typeface="+mn-ea"/>
+                <a:cs typeface="+mn-cs"/>
+              </a:rPr>
+              <a:t>}</a:t>
+            </a:r>
+          </a:p>
+          <a:p>
+            <a:r>
+              <a:rPr lang="en-US" sz="1200" kern="1200" dirty="0" smtClean="0">
+                <a:solidFill>
+                  <a:schemeClr val="tx1"/>
+                </a:solidFill>
+                <a:latin typeface="+mn-lt"/>
+                <a:ea typeface="+mn-ea"/>
+                <a:cs typeface="+mn-cs"/>
+              </a:rPr>
+              <a:t>\theta^{l=6} \in \</a:t>
+            </a:r>
+            <a:r>
+              <a:rPr lang="en-US" sz="1200" kern="1200" dirty="0" err="1" smtClean="0">
+                <a:solidFill>
+                  <a:schemeClr val="tx1"/>
+                </a:solidFill>
+                <a:latin typeface="+mn-lt"/>
+                <a:ea typeface="+mn-ea"/>
+                <a:cs typeface="+mn-cs"/>
+              </a:rPr>
+              <a:t>mathbb</a:t>
+            </a:r>
+            <a:r>
+              <a:rPr lang="en-US" sz="1200" kern="1200" dirty="0" smtClean="0">
+                <a:solidFill>
+                  <a:schemeClr val="tx1"/>
+                </a:solidFill>
+                <a:latin typeface="+mn-lt"/>
+                <a:ea typeface="+mn-ea"/>
+                <a:cs typeface="+mn-cs"/>
+              </a:rPr>
+              <a:t>{R}^{n_5n_c}</a:t>
+            </a:r>
+          </a:p>
+          <a:p>
+            <a:endParaRPr lang="en-US" sz="1200" kern="1200" dirty="0" smtClean="0">
+              <a:solidFill>
+                <a:schemeClr val="tx1"/>
+              </a:solidFill>
+              <a:latin typeface="+mn-lt"/>
+              <a:ea typeface="+mn-ea"/>
+              <a:cs typeface="+mn-cs"/>
+            </a:endParaRPr>
+          </a:p>
+          <a:p>
+            <a:r>
+              <a:rPr lang="en-US" sz="1200" kern="1200" dirty="0" smtClean="0">
+                <a:solidFill>
+                  <a:schemeClr val="tx1"/>
+                </a:solidFill>
+                <a:latin typeface="+mn-lt"/>
+                <a:ea typeface="+mn-ea"/>
+                <a:cs typeface="+mn-cs"/>
+              </a:rPr>
+              <a:t>12</a:t>
+            </a:r>
+          </a:p>
+          <a:p>
+            <a:r>
+              <a:rPr lang="en-US" sz="1200" kern="1200" dirty="0" smtClean="0">
+                <a:solidFill>
+                  <a:schemeClr val="tx1"/>
+                </a:solidFill>
+                <a:latin typeface="+mn-lt"/>
+                <a:ea typeface="+mn-ea"/>
+                <a:cs typeface="+mn-cs"/>
+              </a:rPr>
+              <a:t>G=G^{l=0}</a:t>
+            </a:r>
+          </a:p>
+          <a:p>
+            <a:r>
+              <a:rPr lang="en-US" sz="1200" kern="1200" dirty="0" smtClean="0">
+                <a:solidFill>
+                  <a:schemeClr val="tx1"/>
+                </a:solidFill>
+                <a:latin typeface="+mn-lt"/>
+                <a:ea typeface="+mn-ea"/>
+                <a:cs typeface="+mn-cs"/>
+              </a:rPr>
+              <a:t>g_{\theta^{K_1}}^{1}</a:t>
+            </a:r>
+          </a:p>
+          <a:p>
+            <a:r>
+              <a:rPr lang="en-US" sz="1200" kern="1200" dirty="0" err="1" smtClean="0">
+                <a:solidFill>
+                  <a:schemeClr val="tx1"/>
+                </a:solidFill>
+                <a:latin typeface="+mn-lt"/>
+                <a:ea typeface="+mn-ea"/>
+                <a:cs typeface="+mn-cs"/>
+              </a:rPr>
+              <a:t>F_l</a:t>
+            </a:r>
+            <a:r>
+              <a:rPr lang="en-US" sz="1200" kern="1200" dirty="0" smtClean="0">
+                <a:solidFill>
+                  <a:schemeClr val="tx1"/>
+                </a:solidFill>
+                <a:latin typeface="+mn-lt"/>
+                <a:ea typeface="+mn-ea"/>
+                <a:cs typeface="+mn-cs"/>
+              </a:rPr>
+              <a:t> = \</a:t>
+            </a:r>
+            <a:r>
+              <a:rPr lang="en-US" sz="1200" kern="1200" dirty="0" err="1" smtClean="0">
+                <a:solidFill>
+                  <a:schemeClr val="tx1"/>
+                </a:solidFill>
+                <a:latin typeface="+mn-lt"/>
+                <a:ea typeface="+mn-ea"/>
+                <a:cs typeface="+mn-cs"/>
+              </a:rPr>
+              <a:t>textrm</a:t>
+            </a:r>
+            <a:r>
+              <a:rPr lang="en-US" sz="1200" kern="1200" dirty="0" smtClean="0">
+                <a:solidFill>
+                  <a:schemeClr val="tx1"/>
+                </a:solidFill>
+                <a:latin typeface="+mn-lt"/>
+                <a:ea typeface="+mn-ea"/>
+                <a:cs typeface="+mn-cs"/>
+              </a:rPr>
+              <a:t>{</a:t>
+            </a:r>
+            <a:r>
+              <a:rPr lang="en-US" sz="1200" kern="1200" dirty="0" err="1" smtClean="0">
+                <a:solidFill>
+                  <a:schemeClr val="tx1"/>
+                </a:solidFill>
+                <a:latin typeface="+mn-lt"/>
+                <a:ea typeface="+mn-ea"/>
+                <a:cs typeface="+mn-cs"/>
+              </a:rPr>
+              <a:t>nb</a:t>
+            </a:r>
+            <a:r>
+              <a:rPr lang="en-US" sz="1200" kern="1200" dirty="0" smtClean="0">
+                <a:solidFill>
+                  <a:schemeClr val="tx1"/>
+                </a:solidFill>
+                <a:latin typeface="+mn-lt"/>
+                <a:ea typeface="+mn-ea"/>
+                <a:cs typeface="+mn-cs"/>
+              </a:rPr>
+              <a:t> spectral filters}</a:t>
+            </a:r>
+          </a:p>
+          <a:p>
+            <a:r>
+              <a:rPr lang="en-US" sz="1200" kern="1200" dirty="0" err="1" smtClean="0">
+                <a:solidFill>
+                  <a:schemeClr val="tx1"/>
+                </a:solidFill>
+                <a:latin typeface="+mn-lt"/>
+                <a:ea typeface="+mn-ea"/>
+                <a:cs typeface="+mn-cs"/>
+              </a:rPr>
+              <a:t>x^l</a:t>
+            </a:r>
+            <a:r>
+              <a:rPr lang="en-US" sz="1200" kern="1200" dirty="0" smtClean="0">
+                <a:solidFill>
+                  <a:schemeClr val="tx1"/>
+                </a:solidFill>
+                <a:latin typeface="+mn-lt"/>
+                <a:ea typeface="+mn-ea"/>
+                <a:cs typeface="+mn-cs"/>
+              </a:rPr>
+              <a:t> = \</a:t>
+            </a:r>
+            <a:r>
+              <a:rPr lang="en-US" sz="1200" kern="1200" dirty="0" err="1" smtClean="0">
+                <a:solidFill>
+                  <a:schemeClr val="tx1"/>
+                </a:solidFill>
+                <a:latin typeface="+mn-lt"/>
+                <a:ea typeface="+mn-ea"/>
+                <a:cs typeface="+mn-cs"/>
+              </a:rPr>
+              <a:t>textrm</a:t>
+            </a:r>
+            <a:r>
+              <a:rPr lang="en-US" sz="1200" kern="1200" dirty="0" smtClean="0">
+                <a:solidFill>
+                  <a:schemeClr val="tx1"/>
+                </a:solidFill>
+                <a:latin typeface="+mn-lt"/>
+                <a:ea typeface="+mn-ea"/>
+                <a:cs typeface="+mn-cs"/>
+              </a:rPr>
+              <a:t>{</a:t>
+            </a:r>
+            <a:r>
+              <a:rPr lang="en-US" sz="1200" kern="1200" dirty="0" err="1" smtClean="0">
+                <a:solidFill>
+                  <a:schemeClr val="tx1"/>
+                </a:solidFill>
+                <a:latin typeface="+mn-lt"/>
+                <a:ea typeface="+mn-ea"/>
+                <a:cs typeface="+mn-cs"/>
+              </a:rPr>
+              <a:t>downsampled</a:t>
+            </a:r>
+            <a:r>
+              <a:rPr lang="en-US" sz="1200" kern="1200" dirty="0" smtClean="0">
+                <a:solidFill>
+                  <a:schemeClr val="tx1"/>
+                </a:solidFill>
+                <a:latin typeface="+mn-lt"/>
+                <a:ea typeface="+mn-ea"/>
+                <a:cs typeface="+mn-cs"/>
+              </a:rPr>
+              <a:t> signals}</a:t>
+            </a:r>
+          </a:p>
+          <a:p>
+            <a:r>
+              <a:rPr lang="en-US" sz="1200" kern="1200" dirty="0" smtClean="0">
+                <a:solidFill>
+                  <a:schemeClr val="tx1"/>
+                </a:solidFill>
+                <a:latin typeface="+mn-lt"/>
+                <a:ea typeface="+mn-ea"/>
+                <a:cs typeface="+mn-cs"/>
+              </a:rPr>
+              <a:t>\</a:t>
+            </a:r>
+            <a:r>
+              <a:rPr lang="en-US" sz="1200" kern="1200" dirty="0" err="1" smtClean="0">
+                <a:solidFill>
+                  <a:schemeClr val="tx1"/>
+                </a:solidFill>
+                <a:latin typeface="+mn-lt"/>
+                <a:ea typeface="+mn-ea"/>
+                <a:cs typeface="+mn-cs"/>
+              </a:rPr>
+              <a:t>theta^l</a:t>
+            </a:r>
+            <a:r>
+              <a:rPr lang="en-US" sz="1200" kern="1200" dirty="0" smtClean="0">
+                <a:solidFill>
+                  <a:schemeClr val="tx1"/>
+                </a:solidFill>
+                <a:latin typeface="+mn-lt"/>
+                <a:ea typeface="+mn-ea"/>
+                <a:cs typeface="+mn-cs"/>
+              </a:rPr>
+              <a:t> = \</a:t>
+            </a:r>
+            <a:r>
+              <a:rPr lang="en-US" sz="1200" kern="1200" dirty="0" err="1" smtClean="0">
+                <a:solidFill>
+                  <a:schemeClr val="tx1"/>
+                </a:solidFill>
+                <a:latin typeface="+mn-lt"/>
+                <a:ea typeface="+mn-ea"/>
+                <a:cs typeface="+mn-cs"/>
+              </a:rPr>
+              <a:t>textrm</a:t>
+            </a:r>
+            <a:r>
+              <a:rPr lang="en-US" sz="1200" kern="1200" dirty="0" smtClean="0">
+                <a:solidFill>
+                  <a:schemeClr val="tx1"/>
+                </a:solidFill>
+                <a:latin typeface="+mn-lt"/>
+                <a:ea typeface="+mn-ea"/>
+                <a:cs typeface="+mn-cs"/>
+              </a:rPr>
+              <a:t>{</a:t>
+            </a:r>
+            <a:r>
+              <a:rPr lang="en-US" sz="1200" kern="1200" dirty="0" err="1" smtClean="0">
+                <a:solidFill>
+                  <a:schemeClr val="tx1"/>
+                </a:solidFill>
+                <a:latin typeface="+mn-lt"/>
+                <a:ea typeface="+mn-ea"/>
+                <a:cs typeface="+mn-cs"/>
+              </a:rPr>
+              <a:t>nb</a:t>
+            </a:r>
+            <a:r>
+              <a:rPr lang="en-US" sz="1200" kern="1200" dirty="0" smtClean="0">
+                <a:solidFill>
+                  <a:schemeClr val="tx1"/>
+                </a:solidFill>
+                <a:latin typeface="+mn-lt"/>
+                <a:ea typeface="+mn-ea"/>
+                <a:cs typeface="+mn-cs"/>
+              </a:rPr>
+              <a:t> parameters}</a:t>
+            </a:r>
+          </a:p>
+          <a:p>
+            <a:r>
+              <a:rPr lang="en-US" sz="1200" kern="1200" dirty="0" err="1" smtClean="0">
+                <a:solidFill>
+                  <a:schemeClr val="tx1"/>
+                </a:solidFill>
+                <a:latin typeface="+mn-lt"/>
+                <a:ea typeface="+mn-ea"/>
+                <a:cs typeface="+mn-cs"/>
+              </a:rPr>
+              <a:t>n_c</a:t>
+            </a:r>
+            <a:r>
+              <a:rPr lang="en-US" sz="1200" kern="1200" dirty="0" smtClean="0">
+                <a:solidFill>
+                  <a:schemeClr val="tx1"/>
+                </a:solidFill>
+                <a:latin typeface="+mn-lt"/>
+                <a:ea typeface="+mn-ea"/>
+                <a:cs typeface="+mn-cs"/>
+              </a:rPr>
+              <a:t> = \</a:t>
+            </a:r>
+            <a:r>
+              <a:rPr lang="en-US" sz="1200" kern="1200" dirty="0" err="1" smtClean="0">
+                <a:solidFill>
+                  <a:schemeClr val="tx1"/>
+                </a:solidFill>
+                <a:latin typeface="+mn-lt"/>
+                <a:ea typeface="+mn-ea"/>
+                <a:cs typeface="+mn-cs"/>
+              </a:rPr>
+              <a:t>textrm</a:t>
+            </a:r>
+            <a:r>
+              <a:rPr lang="en-US" sz="1200" kern="1200" dirty="0" smtClean="0">
+                <a:solidFill>
+                  <a:schemeClr val="tx1"/>
+                </a:solidFill>
+                <a:latin typeface="+mn-lt"/>
+                <a:ea typeface="+mn-ea"/>
+                <a:cs typeface="+mn-cs"/>
+              </a:rPr>
+              <a:t>{</a:t>
+            </a:r>
+            <a:r>
+              <a:rPr lang="en-US" sz="1200" kern="1200" dirty="0" err="1" smtClean="0">
+                <a:solidFill>
+                  <a:schemeClr val="tx1"/>
+                </a:solidFill>
+                <a:latin typeface="+mn-lt"/>
+                <a:ea typeface="+mn-ea"/>
+                <a:cs typeface="+mn-cs"/>
+              </a:rPr>
+              <a:t>nb</a:t>
+            </a:r>
+            <a:r>
+              <a:rPr lang="en-US" sz="1200" kern="1200" dirty="0" smtClean="0">
+                <a:solidFill>
+                  <a:schemeClr val="tx1"/>
+                </a:solidFill>
+                <a:latin typeface="+mn-lt"/>
+                <a:ea typeface="+mn-ea"/>
+                <a:cs typeface="+mn-cs"/>
+              </a:rPr>
+              <a:t> classes}</a:t>
+            </a:r>
+          </a:p>
+          <a:p>
+            <a:r>
+              <a:rPr lang="en-US" sz="1200" kern="1200" dirty="0" err="1" smtClean="0">
+                <a:solidFill>
+                  <a:schemeClr val="tx1"/>
+                </a:solidFill>
+                <a:latin typeface="+mn-lt"/>
+                <a:ea typeface="+mn-ea"/>
+                <a:cs typeface="+mn-cs"/>
+              </a:rPr>
+              <a:t>p_l</a:t>
+            </a:r>
+            <a:r>
+              <a:rPr lang="en-US" sz="1200" kern="1200" dirty="0" smtClean="0">
+                <a:solidFill>
+                  <a:schemeClr val="tx1"/>
+                </a:solidFill>
+                <a:latin typeface="+mn-lt"/>
+                <a:ea typeface="+mn-ea"/>
+                <a:cs typeface="+mn-cs"/>
+              </a:rPr>
+              <a:t> = \</a:t>
+            </a:r>
+            <a:r>
+              <a:rPr lang="en-US" sz="1200" kern="1200" dirty="0" err="1" smtClean="0">
+                <a:solidFill>
+                  <a:schemeClr val="tx1"/>
+                </a:solidFill>
+                <a:latin typeface="+mn-lt"/>
+                <a:ea typeface="+mn-ea"/>
+                <a:cs typeface="+mn-cs"/>
+              </a:rPr>
+              <a:t>textrm</a:t>
+            </a:r>
+            <a:r>
+              <a:rPr lang="en-US" sz="1200" kern="1200" dirty="0" smtClean="0">
+                <a:solidFill>
+                  <a:schemeClr val="tx1"/>
+                </a:solidFill>
+                <a:latin typeface="+mn-lt"/>
+                <a:ea typeface="+mn-ea"/>
+                <a:cs typeface="+mn-cs"/>
+              </a:rPr>
+              <a:t>{coarsening degree}</a:t>
+            </a:r>
+          </a:p>
+          <a:p>
+            <a:r>
+              <a:rPr lang="en-US" sz="1200" kern="1200" dirty="0" smtClean="0">
+                <a:solidFill>
+                  <a:schemeClr val="tx1"/>
+                </a:solidFill>
+                <a:latin typeface="+mn-lt"/>
+                <a:ea typeface="+mn-ea"/>
+                <a:cs typeface="+mn-cs"/>
+              </a:rPr>
+              <a:t>g_{\theta^{</a:t>
+            </a:r>
+            <a:r>
+              <a:rPr lang="en-US" sz="1200" kern="1200" dirty="0" err="1" smtClean="0">
+                <a:solidFill>
+                  <a:schemeClr val="tx1"/>
+                </a:solidFill>
+                <a:latin typeface="+mn-lt"/>
+                <a:ea typeface="+mn-ea"/>
+                <a:cs typeface="+mn-cs"/>
+              </a:rPr>
+              <a:t>K_l</a:t>
+            </a:r>
+            <a:r>
+              <a:rPr lang="en-US" sz="1200" kern="1200" dirty="0" smtClean="0">
+                <a:solidFill>
+                  <a:schemeClr val="tx1"/>
+                </a:solidFill>
+                <a:latin typeface="+mn-lt"/>
+                <a:ea typeface="+mn-ea"/>
+                <a:cs typeface="+mn-cs"/>
+              </a:rPr>
+              <a:t>}} = \</a:t>
+            </a:r>
+            <a:r>
+              <a:rPr lang="en-US" sz="1200" kern="1200" dirty="0" err="1" smtClean="0">
+                <a:solidFill>
+                  <a:schemeClr val="tx1"/>
+                </a:solidFill>
+                <a:latin typeface="+mn-lt"/>
+                <a:ea typeface="+mn-ea"/>
+                <a:cs typeface="+mn-cs"/>
+              </a:rPr>
+              <a:t>textrm</a:t>
+            </a:r>
+            <a:r>
+              <a:rPr lang="en-US" sz="1200" kern="1200" dirty="0" smtClean="0">
+                <a:solidFill>
+                  <a:schemeClr val="tx1"/>
+                </a:solidFill>
+                <a:latin typeface="+mn-lt"/>
+                <a:ea typeface="+mn-ea"/>
+                <a:cs typeface="+mn-cs"/>
+              </a:rPr>
+              <a:t>{spectral filters}</a:t>
+            </a:r>
+            <a:endParaRPr lang="fr-FR" dirty="0" smtClean="0"/>
+          </a:p>
+          <a:p>
+            <a:r>
+              <a:rPr lang="en-US" sz="1200" kern="1200" dirty="0" smtClean="0">
+                <a:solidFill>
+                  <a:schemeClr val="tx1"/>
+                </a:solidFill>
+                <a:latin typeface="+mn-lt"/>
+                <a:ea typeface="+mn-ea"/>
+                <a:cs typeface="+mn-cs"/>
+              </a:rPr>
+              <a:t>l = \</a:t>
+            </a:r>
+            <a:r>
+              <a:rPr lang="en-US" sz="1200" kern="1200" dirty="0" err="1" smtClean="0">
+                <a:solidFill>
+                  <a:schemeClr val="tx1"/>
+                </a:solidFill>
+                <a:latin typeface="+mn-lt"/>
+                <a:ea typeface="+mn-ea"/>
+                <a:cs typeface="+mn-cs"/>
+              </a:rPr>
+              <a:t>textrm</a:t>
+            </a:r>
+            <a:r>
+              <a:rPr lang="en-US" sz="1200" kern="1200" dirty="0" smtClean="0">
+                <a:solidFill>
+                  <a:schemeClr val="tx1"/>
+                </a:solidFill>
+                <a:latin typeface="+mn-lt"/>
+                <a:ea typeface="+mn-ea"/>
+                <a:cs typeface="+mn-cs"/>
+              </a:rPr>
+              <a:t>{coarsening level}</a:t>
+            </a:r>
+          </a:p>
+          <a:p>
+            <a:endParaRPr lang="fr-FR" dirty="0"/>
+          </a:p>
+        </p:txBody>
+      </p:sp>
+    </p:spTree>
+    <p:extLst>
+      <p:ext uri="{BB962C8B-B14F-4D97-AF65-F5344CB8AC3E}">
+        <p14:creationId xmlns:p14="http://schemas.microsoft.com/office/powerpoint/2010/main" val="3067238854"/>
+      </p:ext>
+    </p:extLst>
+  </p:cSld>
+  <p:clrMapOvr>
+    <a:masterClrMapping/>
+  </p:clrMapOvr>
+</p:notes>
+</file>
+
+<file path=ppt/notesSlides/notesSlide3.xml><?xml version="1.0" encoding="utf-8"?>
+<p:notes xmlns:a="http://schemas.openxmlformats.org/drawingml/2006/main" xmlns:r="http://schemas.openxmlformats.org/officeDocument/2006/relationships" xmlns:p="http://schemas.openxmlformats.org/presentationml/2006/main">
+  <p:cSld>
+    <p:spTree>
+      <p:nvGrpSpPr>
+        <p:cNvPr id="1" name=""/>
+        <p:cNvGrpSpPr/>
+        <p:nvPr/>
+      </p:nvGrpSpPr>
+      <p:grpSpPr>
+        <a:xfrm>
+          <a:off x="0" y="0"/>
+          <a:ext cx="0" cy="0"/>
+          <a:chOff x="0" y="0"/>
+          <a:chExt cx="0" cy="0"/>
+        </a:xfrm>
+      </p:grpSpPr>
+      <p:sp>
+        <p:nvSpPr>
+          <p:cNvPr id="2" name="Espace réservé de l'image des diapositives 1"/>
+          <p:cNvSpPr>
+            <a:spLocks noGrp="1" noRot="1" noChangeAspect="1"/>
+          </p:cNvSpPr>
+          <p:nvPr>
+            <p:ph type="sldImg"/>
+          </p:nvPr>
+        </p:nvSpPr>
+        <p:spPr/>
+      </p:sp>
+      <p:sp>
+        <p:nvSpPr>
+          <p:cNvPr id="3" name="Espace réservé des commentaires 2"/>
+          <p:cNvSpPr>
+            <a:spLocks noGrp="1"/>
+          </p:cNvSpPr>
+          <p:nvPr>
+            <p:ph type="body" idx="1"/>
+          </p:nvPr>
+        </p:nvSpPr>
+        <p:spPr/>
+        <p:txBody>
+          <a:bodyPr/>
+          <a:lstStyle/>
           <a:p>
             <a:endParaRPr lang="fr-FR" dirty="0"/>
           </a:p>
@@ -4589,9 +5470,137 @@
           <a:chExt cx="0" cy="0"/>
         </a:xfrm>
       </p:grpSpPr>
+      <p:sp>
+        <p:nvSpPr>
+          <p:cNvPr id="94" name="Rectangle 93"/>
+          <p:cNvSpPr/>
+          <p:nvPr/>
+        </p:nvSpPr>
+        <p:spPr>
+          <a:xfrm>
+            <a:off x="3476133" y="1265369"/>
+            <a:ext cx="1348696" cy="1292662"/>
+          </a:xfrm>
+          <a:prstGeom prst="rect">
+            <a:avLst/>
+          </a:prstGeom>
+        </p:spPr>
+        <p:txBody>
+          <a:bodyPr wrap="none">
+            <a:spAutoFit/>
+          </a:bodyPr>
+          <a:lstStyle/>
+          <a:p>
+            <a:pPr algn="ctr"/>
+            <a:r>
+              <a:rPr lang="en-US" sz="1200" b="1" i="1" dirty="0" err="1" smtClean="0">
+                <a:solidFill>
+                  <a:srgbClr val="FF6600"/>
+                </a:solidFill>
+              </a:rPr>
+              <a:t>ReLu</a:t>
+            </a:r>
+            <a:r>
+              <a:rPr lang="en-US" sz="1200" b="1" i="1" dirty="0" smtClean="0">
+                <a:solidFill>
+                  <a:srgbClr val="FF6600"/>
+                </a:solidFill>
+              </a:rPr>
+              <a:t> activation</a:t>
+            </a:r>
+          </a:p>
+          <a:p>
+            <a:pPr algn="ctr"/>
+            <a:r>
+              <a:rPr lang="en-US" sz="1200" b="1" i="1" dirty="0" smtClean="0">
+                <a:solidFill>
+                  <a:srgbClr val="FF6600"/>
+                </a:solidFill>
+              </a:rPr>
+              <a:t>+</a:t>
+            </a:r>
+          </a:p>
+          <a:p>
+            <a:pPr algn="ctr"/>
+            <a:r>
+              <a:rPr lang="en-US" sz="1200" b="1" i="1" dirty="0" smtClean="0">
+                <a:solidFill>
+                  <a:srgbClr val="FF6600"/>
+                </a:solidFill>
+              </a:rPr>
+              <a:t>Graph coarsening</a:t>
+            </a:r>
+          </a:p>
+          <a:p>
+            <a:pPr algn="ctr"/>
+            <a:r>
+              <a:rPr lang="en-US" sz="900" b="1" i="1" dirty="0">
+                <a:solidFill>
+                  <a:srgbClr val="FF6600"/>
+                </a:solidFill>
+              </a:rPr>
+              <a:t>Factor 2</a:t>
+            </a:r>
+            <a:r>
+              <a:rPr lang="en-US" sz="900" b="1" i="1" baseline="30000" dirty="0">
+                <a:solidFill>
+                  <a:srgbClr val="FF6600"/>
+                </a:solidFill>
+              </a:rPr>
+              <a:t>p</a:t>
+            </a:r>
+            <a:endParaRPr lang="en-US" sz="900" b="1" i="1" dirty="0">
+              <a:solidFill>
+                <a:srgbClr val="FF6600"/>
+              </a:solidFill>
+            </a:endParaRPr>
+          </a:p>
+          <a:p>
+            <a:pPr algn="ctr"/>
+            <a:r>
+              <a:rPr lang="en-US" sz="900" b="1" i="1" dirty="0" smtClean="0">
+                <a:solidFill>
+                  <a:srgbClr val="FF6600"/>
+                </a:solidFill>
+              </a:rPr>
+              <a:t>Pre-computed</a:t>
+            </a:r>
+          </a:p>
+          <a:p>
+            <a:pPr algn="ctr"/>
+            <a:r>
+              <a:rPr lang="en-US" sz="1200" b="1" i="1" dirty="0" smtClean="0">
+                <a:solidFill>
+                  <a:srgbClr val="FF6600"/>
+                </a:solidFill>
+              </a:rPr>
+              <a:t>+</a:t>
+            </a:r>
+          </a:p>
+          <a:p>
+            <a:pPr algn="ctr"/>
+            <a:r>
+              <a:rPr lang="en-US" sz="1200" b="1" i="1" dirty="0" smtClean="0">
+                <a:solidFill>
+                  <a:srgbClr val="FF6600"/>
+                </a:solidFill>
+              </a:rPr>
+              <a:t>Pooling </a:t>
+            </a:r>
+            <a:r>
+              <a:rPr lang="en-US" sz="900" b="1" i="1" dirty="0" smtClean="0">
+                <a:solidFill>
+                  <a:srgbClr val="FF6600"/>
+                </a:solidFill>
+              </a:rPr>
+              <a:t>(GPUs)</a:t>
+            </a:r>
+          </a:p>
+        </p:txBody>
+      </p:sp>
       <p:pic>
         <p:nvPicPr>
-          <p:cNvPr id="2" name="Picture 1" descr="latex-image-1.pdf"/>
+          <p:cNvPr id="45" name="Picture 44" descr="latex-image-1.pdf"/>
           <p:cNvPicPr>
             <a:picLocks noChangeAspect="1"/>
           </p:cNvPicPr>
@@ -4611,164 +5620,6 @@
         </p:blipFill>
         <p:spPr>
           <a:xfrm>
-            <a:off x="7200900" y="4813300"/>
-            <a:ext cx="1117600" cy="203200"/>
-          </a:xfrm>
-          <a:prstGeom prst="rect">
-            <a:avLst/>
-          </a:prstGeom>
-        </p:spPr>
-      </p:pic>
-      <p:sp>
-        <p:nvSpPr>
-          <p:cNvPr id="94" name="Rectangle 93"/>
-          <p:cNvSpPr/>
-          <p:nvPr/>
-        </p:nvSpPr>
-        <p:spPr>
-          <a:xfrm>
-            <a:off x="3476133" y="1265369"/>
-            <a:ext cx="1348696" cy="1292662"/>
-          </a:xfrm>
-          <a:prstGeom prst="rect">
-            <a:avLst/>
-          </a:prstGeom>
-        </p:spPr>
-        <p:txBody>
-          <a:bodyPr wrap="none">
-            <a:spAutoFit/>
-          </a:bodyPr>
-          <a:lstStyle/>
-          <a:p>
-            <a:pPr algn="ctr"/>
-            <a:r>
-              <a:rPr lang="en-US" sz="1200" b="1" i="1" dirty="0" err="1" smtClean="0">
-                <a:solidFill>
-                  <a:srgbClr val="FF6600"/>
-                </a:solidFill>
-              </a:rPr>
-              <a:t>ReLu</a:t>
-            </a:r>
-            <a:r>
-              <a:rPr lang="en-US" sz="1200" b="1" i="1" dirty="0" smtClean="0">
-                <a:solidFill>
-                  <a:srgbClr val="FF6600"/>
-                </a:solidFill>
-              </a:rPr>
-              <a:t> activation</a:t>
-            </a:r>
-          </a:p>
-          <a:p>
-            <a:pPr algn="ctr"/>
-            <a:r>
-              <a:rPr lang="en-US" sz="1200" b="1" i="1" dirty="0" smtClean="0">
-                <a:solidFill>
-                  <a:srgbClr val="FF6600"/>
-                </a:solidFill>
-              </a:rPr>
-              <a:t>+</a:t>
-            </a:r>
-          </a:p>
-          <a:p>
-            <a:pPr algn="ctr"/>
-            <a:r>
-              <a:rPr lang="en-US" sz="1200" b="1" i="1" dirty="0" smtClean="0">
-                <a:solidFill>
-                  <a:srgbClr val="FF6600"/>
-                </a:solidFill>
-              </a:rPr>
-              <a:t>Graph coarsening</a:t>
-            </a:r>
-          </a:p>
-          <a:p>
-            <a:pPr algn="ctr"/>
-            <a:r>
-              <a:rPr lang="en-US" sz="900" b="1" i="1" dirty="0">
-                <a:solidFill>
-                  <a:srgbClr val="FF6600"/>
-                </a:solidFill>
-              </a:rPr>
-              <a:t>Factor 2</a:t>
-            </a:r>
-            <a:r>
-              <a:rPr lang="en-US" sz="900" b="1" i="1" baseline="30000" dirty="0">
-                <a:solidFill>
-                  <a:srgbClr val="FF6600"/>
-                </a:solidFill>
-              </a:rPr>
-              <a:t>p</a:t>
-            </a:r>
-            <a:endParaRPr lang="en-US" sz="900" b="1" i="1" dirty="0">
-              <a:solidFill>
-                <a:srgbClr val="FF6600"/>
-              </a:solidFill>
-            </a:endParaRPr>
-          </a:p>
-          <a:p>
-            <a:pPr algn="ctr"/>
-            <a:r>
-              <a:rPr lang="en-US" sz="900" b="1" i="1" dirty="0" smtClean="0">
-                <a:solidFill>
-                  <a:srgbClr val="FF6600"/>
-                </a:solidFill>
-              </a:rPr>
-              <a:t>Pre-computed</a:t>
-            </a:r>
-          </a:p>
-          <a:p>
-            <a:pPr algn="ctr"/>
-            <a:r>
-              <a:rPr lang="en-US" sz="1200" b="1" i="1" dirty="0" smtClean="0">
-                <a:solidFill>
-                  <a:srgbClr val="FF6600"/>
-                </a:solidFill>
-              </a:rPr>
-              <a:t>+</a:t>
-            </a:r>
-          </a:p>
-          <a:p>
-            <a:pPr algn="ctr"/>
-            <a:r>
-              <a:rPr lang="en-US" sz="1200" b="1" i="1" dirty="0" smtClean="0">
-                <a:solidFill>
-                  <a:srgbClr val="FF6600"/>
-                </a:solidFill>
-              </a:rPr>
-              <a:t>Pooling </a:t>
-            </a:r>
-            <a:r>
-              <a:rPr lang="en-US" sz="900" b="1" i="1" dirty="0" smtClean="0">
-                <a:solidFill>
-                  <a:srgbClr val="FF6600"/>
-                </a:solidFill>
-              </a:rPr>
-              <a:t>(GPUs)</a:t>
-            </a:r>
-          </a:p>
-        </p:txBody>
-      </p:sp>
-      <p:pic>
-        <p:nvPicPr>
-          <p:cNvPr id="45" name="Picture 44" descr="latex-image-1.pdf"/>
-          <p:cNvPicPr>
-            <a:picLocks noChangeAspect="1"/>
-          </p:cNvPicPr>
-          <p:nvPr/>
-        </p:nvPicPr>
-        <p:blipFill>
-          <a:blip r:embed="rId4">
-            <a:extLst>
-              <a:ext uri="{28A0092B-C50C-407E-A947-70E740481C1C}">
-                <a14:useLocalDpi xmlns:a14="http://schemas.microsoft.com/office/drawing/2010/main" val="0"/>
-              </a:ext>
-            </a:extLst>
-          </a:blip>
-          <a:stretch>
-            <a:fillRect/>
-          </a:stretch>
-        </p:blipFill>
-        <p:spPr>
-          <a:xfrm>
             <a:off x="8007350" y="4470400"/>
             <a:ext cx="1104900" cy="203200"/>
           </a:xfrm>
@@ -4786,7 +5637,7 @@
           <p:nvPr/>
         </p:nvPicPr>
         <p:blipFill>
-          <a:blip r:embed="rId5"/>
+          <a:blip r:embed="rId4"/>
           <a:stretch>
             <a:fillRect/>
           </a:stretch>
@@ -4810,7 +5661,7 @@
           <p:nvPr/>
         </p:nvPicPr>
         <p:blipFill>
-          <a:blip r:embed="rId6"/>
+          <a:blip r:embed="rId5"/>
           <a:stretch>
             <a:fillRect/>
           </a:stretch>
@@ -4834,7 +5685,7 @@
           <p:nvPr/>
         </p:nvPicPr>
         <p:blipFill>
-          <a:blip r:embed="rId7"/>
+          <a:blip r:embed="rId6"/>
           <a:stretch>
             <a:fillRect/>
           </a:stretch>
@@ -4858,7 +5709,7 @@
           <p:nvPr/>
         </p:nvPicPr>
         <p:blipFill>
-          <a:blip r:embed="rId8"/>
+          <a:blip r:embed="rId7"/>
           <a:stretch>
             <a:fillRect/>
           </a:stretch>
@@ -4882,7 +5733,7 @@
           <p:nvPr/>
         </p:nvPicPr>
         <p:blipFill>
-          <a:blip r:embed="rId7"/>
+          <a:blip r:embed="rId6"/>
           <a:stretch>
             <a:fillRect/>
           </a:stretch>
@@ -4980,7 +5831,7 @@
           <p:nvPr/>
         </p:nvPicPr>
         <p:blipFill>
-          <a:blip r:embed="rId7"/>
+          <a:blip r:embed="rId6"/>
           <a:stretch>
             <a:fillRect/>
           </a:stretch>
@@ -5004,7 +5855,7 @@
           <p:nvPr/>
         </p:nvPicPr>
         <p:blipFill>
-          <a:blip r:embed="rId7"/>
+          <a:blip r:embed="rId6"/>
           <a:stretch>
             <a:fillRect/>
           </a:stretch>
@@ -5191,7 +6042,7 @@
           <p:nvPr/>
         </p:nvPicPr>
         <p:blipFill>
-          <a:blip r:embed="rId6"/>
+          <a:blip r:embed="rId5"/>
           <a:stretch>
             <a:fillRect/>
           </a:stretch>
@@ -5252,7 +6103,7 @@
           <p:nvPr/>
         </p:nvPicPr>
         <p:blipFill>
-          <a:blip r:embed="rId6"/>
+          <a:blip r:embed="rId5"/>
           <a:stretch>
             <a:fillRect/>
           </a:stretch>
@@ -5423,7 +6274,7 @@
           <p:nvPr/>
         </p:nvPicPr>
         <p:blipFill>
-          <a:blip r:embed="rId9"/>
+          <a:blip r:embed="rId8"/>
           <a:stretch>
             <a:fillRect/>
           </a:stretch>
@@ -5484,7 +6335,7 @@
           <p:nvPr/>
         </p:nvPicPr>
         <p:blipFill>
-          <a:blip r:embed="rId10"/>
+          <a:blip r:embed="rId9"/>
           <a:stretch>
             <a:fillRect/>
           </a:stretch>
@@ -5508,7 +6359,7 @@
           <p:nvPr/>
         </p:nvPicPr>
         <p:blipFill>
-          <a:blip r:embed="rId10"/>
+          <a:blip r:embed="rId9"/>
           <a:stretch>
             <a:fillRect/>
           </a:stretch>
@@ -5532,7 +6383,7 @@
           <p:nvPr/>
         </p:nvPicPr>
         <p:blipFill>
-          <a:blip r:embed="rId10"/>
+          <a:blip r:embed="rId9"/>
           <a:stretch>
             <a:fillRect/>
           </a:stretch>
@@ -5556,7 +6407,7 @@
           <p:nvPr/>
         </p:nvPicPr>
         <p:blipFill>
-          <a:blip r:embed="rId10"/>
+          <a:blip r:embed="rId9"/>
           <a:stretch>
             <a:fillRect/>
           </a:stretch>
@@ -5580,7 +6431,7 @@
           <p:nvPr/>
         </p:nvPicPr>
         <p:blipFill>
-          <a:blip r:embed="rId10"/>
+          <a:blip r:embed="rId9"/>
           <a:stretch>
             <a:fillRect/>
           </a:stretch>
@@ -5604,7 +6455,7 @@
           <p:nvPr/>
         </p:nvPicPr>
         <p:blipFill>
-          <a:blip r:embed="rId10"/>
+          <a:blip r:embed="rId9"/>
           <a:stretch>
             <a:fillRect/>
           </a:stretch>
@@ -5628,7 +6479,7 @@
           <p:nvPr/>
         </p:nvPicPr>
         <p:blipFill>
-          <a:blip r:embed="rId10"/>
+          <a:blip r:embed="rId9"/>
           <a:stretch>
             <a:fillRect/>
           </a:stretch>
@@ -5652,7 +6503,7 @@
           <p:nvPr/>
         </p:nvPicPr>
         <p:blipFill>
-          <a:blip r:embed="rId10"/>
+          <a:blip r:embed="rId9"/>
           <a:stretch>
             <a:fillRect/>
           </a:stretch>
@@ -5676,7 +6527,7 @@
           <p:nvPr/>
         </p:nvPicPr>
         <p:blipFill>
-          <a:blip r:embed="rId10"/>
+          <a:blip r:embed="rId9"/>
           <a:stretch>
             <a:fillRect/>
           </a:stretch>
@@ -6054,6 +6905,36 @@
           <p:nvPr/>
         </p:nvPicPr>
         <p:blipFill>
+          <a:blip r:embed="rId10">
+            <a:extLst>
+              <a:ext uri="{28A0092B-C50C-407E-A947-70E740481C1C}">
+                <a14:useLocalDpi xmlns:a14="http://schemas.microsoft.com/office/drawing/2010/main" val="0"/>
+              </a:ext>
+            </a:extLst>
+          </a:blip>
+          <a:stretch>
+            <a:fillRect/>
+          </a:stretch>
+        </p:blipFill>
+        <p:spPr>
+          <a:xfrm>
+            <a:off x="771182" y="4542924"/>
+            <a:ext cx="596900" cy="165100"/>
+          </a:xfrm>
+          <a:prstGeom prst="rect">
+            <a:avLst/>
+          </a:prstGeom>
+        </p:spPr>
+      </p:pic>
+      <p:pic>
+        <p:nvPicPr>
+          <p:cNvPr id="13" name="Picture 12" descr="latex-image-1.pdf"/>
+          <p:cNvPicPr>
+            <a:picLocks noChangeAspect="1"/>
+          </p:cNvPicPr>
+          <p:nvPr/>
+        </p:nvPicPr>
+        <p:blipFill>
           <a:blip r:embed="rId11">
             <a:extLst>
               <a:ext uri="{28A0092B-C50C-407E-A947-70E740481C1C}">
@@ -6067,8 +6948,8 @@
         </p:blipFill>
         <p:spPr>
           <a:xfrm>
-            <a:off x="771182" y="4542924"/>
-            <a:ext cx="596900" cy="165100"/>
+            <a:off x="584200" y="4965700"/>
+            <a:ext cx="1092200" cy="203200"/>
           </a:xfrm>
           <a:prstGeom prst="rect">
             <a:avLst/>
@@ -6077,7 +6958,7 @@
       </p:pic>
       <p:pic>
         <p:nvPicPr>
-          <p:cNvPr id="13" name="Picture 12" descr="latex-image-1.pdf"/>
+          <p:cNvPr id="14" name="Picture 13" descr="latex-image-1.pdf"/>
           <p:cNvPicPr>
             <a:picLocks noChangeAspect="1"/>
           </p:cNvPicPr>
@@ -6096,9 +6977,9 @@
           </a:stretch>
         </p:blipFill>
         <p:spPr>
-          <a:xfrm>
-            <a:off x="584200" y="4965700"/>
-            <a:ext cx="1092200" cy="203200"/>
+          <a:xfrm rot="5400000">
+            <a:off x="928566" y="4848864"/>
+            <a:ext cx="137156" cy="45719"/>
           </a:xfrm>
           <a:prstGeom prst="rect">
             <a:avLst/>
@@ -6107,7 +6988,7 @@
       </p:pic>
       <p:pic>
         <p:nvPicPr>
-          <p:cNvPr id="14" name="Picture 13" descr="latex-image-1.pdf"/>
+          <p:cNvPr id="18" name="Picture 17" descr="latex-image-1.pdf"/>
           <p:cNvPicPr>
             <a:picLocks noChangeAspect="1"/>
           </p:cNvPicPr>
@@ -6126,9 +7007,9 @@
           </a:stretch>
         </p:blipFill>
         <p:spPr>
-          <a:xfrm rot="5400000">
-            <a:off x="928566" y="4848864"/>
-            <a:ext cx="137156" cy="45719"/>
+          <a:xfrm>
+            <a:off x="2606694" y="5168900"/>
+            <a:ext cx="1143000" cy="203200"/>
           </a:xfrm>
           <a:prstGeom prst="rect">
             <a:avLst/>
@@ -6137,7 +7018,7 @@
       </p:pic>
       <p:pic>
         <p:nvPicPr>
-          <p:cNvPr id="18" name="Picture 17" descr="latex-image-1.pdf"/>
+          <p:cNvPr id="19" name="Picture 18" descr="latex-image-1.pdf"/>
           <p:cNvPicPr>
             <a:picLocks noChangeAspect="1"/>
           </p:cNvPicPr>
@@ -6157,8 +7038,8 @@
         </p:blipFill>
         <p:spPr>
           <a:xfrm>
-            <a:off x="2606694" y="5168900"/>
-            <a:ext cx="1143000" cy="203200"/>
+            <a:off x="4673600" y="4889500"/>
+            <a:ext cx="1117600" cy="203200"/>
           </a:xfrm>
           <a:prstGeom prst="rect">
             <a:avLst/>
@@ -6167,7 +7048,7 @@
       </p:pic>
       <p:pic>
         <p:nvPicPr>
-          <p:cNvPr id="19" name="Picture 18" descr="latex-image-1.pdf"/>
+          <p:cNvPr id="21" name="Picture 20" descr="latex-image-1.pdf"/>
           <p:cNvPicPr>
             <a:picLocks noChangeAspect="1"/>
           </p:cNvPicPr>
@@ -6187,7 +7068,7 @@
         </p:blipFill>
         <p:spPr>
           <a:xfrm>
-            <a:off x="4673600" y="4889500"/>
+            <a:off x="7200900" y="4813302"/>
             <a:ext cx="1117600" cy="203200"/>
           </a:xfrm>
           <a:prstGeom prst="rect">
@@ -6865,6 +7746,4077 @@
     <p:extLst>
       <p:ext uri="{BB962C8B-B14F-4D97-AF65-F5344CB8AC3E}">
         <p14:creationId xmlns:p14="http://schemas.microsoft.com/office/powerpoint/2010/main" val="2140109697"/>
+      </p:ext>
+    </p:extLst>
+  </p:cSld>
+  <p:clrMapOvr>
+    <a:masterClrMapping/>
+  </p:clrMapOvr>
+  <mc:AlternateContent xmlns:mc="http://schemas.openxmlformats.org/markup-compatibility/2006" xmlns:p14="http://schemas.microsoft.com/office/powerpoint/2010/main">
+    <mc:Choice Requires="p14">
+      <p:transition spd="slow" p14:dur="2000"/>
+    </mc:Choice>
+    <mc:Fallback xmlns="">
+      <p:transition xmlns:p14="http://schemas.microsoft.com/office/powerpoint/2010/main" spd="slow"/>
+    </mc:Fallback>
+  </mc:AlternateContent>
+  <p:timing>
+    <p:tnLst>
+      <p:par>
+        <p:cTn xmlns:p14="http://schemas.microsoft.com/office/powerpoint/2010/main" id="1" dur="indefinite" restart="never" nodeType="tmRoot"/>
+      </p:par>
+    </p:tnLst>
+  </p:timing>
+</p:sld>
+</file>
+
+<file path=ppt/slides/slide2.xml><?xml version="1.0" encoding="utf-8"?>
+<p:sld xmlns:a="http://schemas.openxmlformats.org/drawingml/2006/main" xmlns:r="http://schemas.openxmlformats.org/officeDocument/2006/relationships" xmlns:p="http://schemas.openxmlformats.org/presentationml/2006/main">
+  <p:cSld>
+    <p:spTree>
+      <p:nvGrpSpPr>
+        <p:cNvPr id="1" name=""/>
+        <p:cNvGrpSpPr/>
+        <p:nvPr/>
+      </p:nvGrpSpPr>
+      <p:grpSpPr>
+        <a:xfrm>
+          <a:off x="0" y="0"/>
+          <a:ext cx="0" cy="0"/>
+          <a:chOff x="0" y="0"/>
+          <a:chExt cx="0" cy="0"/>
+        </a:xfrm>
+      </p:grpSpPr>
+      <p:sp>
+        <p:nvSpPr>
+          <p:cNvPr id="94" name="Rectangle 93"/>
+          <p:cNvSpPr/>
+          <p:nvPr/>
+        </p:nvSpPr>
+        <p:spPr>
+          <a:xfrm>
+            <a:off x="3476133" y="1265369"/>
+            <a:ext cx="1348696" cy="1292662"/>
+          </a:xfrm>
+          <a:prstGeom prst="rect">
+            <a:avLst/>
+          </a:prstGeom>
+        </p:spPr>
+        <p:txBody>
+          <a:bodyPr wrap="none">
+            <a:spAutoFit/>
+          </a:bodyPr>
+          <a:lstStyle/>
+          <a:p>
+            <a:pPr algn="ctr"/>
+            <a:r>
+              <a:rPr lang="en-US" sz="1200" b="1" i="1" dirty="0" err="1" smtClean="0">
+                <a:solidFill>
+                  <a:srgbClr val="FF6600"/>
+                </a:solidFill>
+              </a:rPr>
+              <a:t>ReLu</a:t>
+            </a:r>
+            <a:r>
+              <a:rPr lang="en-US" sz="1200" b="1" i="1" dirty="0" smtClean="0">
+                <a:solidFill>
+                  <a:srgbClr val="FF6600"/>
+                </a:solidFill>
+              </a:rPr>
+              <a:t> activation</a:t>
+            </a:r>
+          </a:p>
+          <a:p>
+            <a:pPr algn="ctr"/>
+            <a:r>
+              <a:rPr lang="en-US" sz="1200" b="1" i="1" dirty="0" smtClean="0">
+                <a:solidFill>
+                  <a:srgbClr val="FF6600"/>
+                </a:solidFill>
+              </a:rPr>
+              <a:t>+</a:t>
+            </a:r>
+          </a:p>
+          <a:p>
+            <a:pPr algn="ctr"/>
+            <a:r>
+              <a:rPr lang="en-US" sz="1200" b="1" i="1" dirty="0" smtClean="0">
+                <a:solidFill>
+                  <a:srgbClr val="FF6600"/>
+                </a:solidFill>
+              </a:rPr>
+              <a:t>Graph coarsening</a:t>
+            </a:r>
+          </a:p>
+          <a:p>
+            <a:pPr algn="ctr"/>
+            <a:r>
+              <a:rPr lang="en-US" sz="900" b="1" i="1" dirty="0">
+                <a:solidFill>
+                  <a:srgbClr val="FF6600"/>
+                </a:solidFill>
+              </a:rPr>
+              <a:t>Factor 2</a:t>
+            </a:r>
+            <a:r>
+              <a:rPr lang="en-US" sz="900" b="1" i="1" baseline="30000" dirty="0">
+                <a:solidFill>
+                  <a:srgbClr val="FF6600"/>
+                </a:solidFill>
+              </a:rPr>
+              <a:t>p</a:t>
+            </a:r>
+            <a:endParaRPr lang="en-US" sz="900" b="1" i="1" dirty="0">
+              <a:solidFill>
+                <a:srgbClr val="FF6600"/>
+              </a:solidFill>
+            </a:endParaRPr>
+          </a:p>
+          <a:p>
+            <a:pPr algn="ctr"/>
+            <a:r>
+              <a:rPr lang="en-US" sz="900" b="1" i="1" dirty="0" smtClean="0">
+                <a:solidFill>
+                  <a:srgbClr val="FF6600"/>
+                </a:solidFill>
+              </a:rPr>
+              <a:t>Pre-computed</a:t>
+            </a:r>
+          </a:p>
+          <a:p>
+            <a:pPr algn="ctr"/>
+            <a:r>
+              <a:rPr lang="en-US" sz="1200" b="1" i="1" dirty="0" smtClean="0">
+                <a:solidFill>
+                  <a:srgbClr val="FF6600"/>
+                </a:solidFill>
+              </a:rPr>
+              <a:t>+</a:t>
+            </a:r>
+          </a:p>
+          <a:p>
+            <a:pPr algn="ctr"/>
+            <a:r>
+              <a:rPr lang="en-US" sz="1200" b="1" i="1" dirty="0" smtClean="0">
+                <a:solidFill>
+                  <a:srgbClr val="FF6600"/>
+                </a:solidFill>
+              </a:rPr>
+              <a:t>Pooling </a:t>
+            </a:r>
+            <a:r>
+              <a:rPr lang="en-US" sz="900" b="1" i="1" dirty="0" smtClean="0">
+                <a:solidFill>
+                  <a:srgbClr val="FF6600"/>
+                </a:solidFill>
+              </a:rPr>
+              <a:t>(GPUs)</a:t>
+            </a:r>
+          </a:p>
+        </p:txBody>
+      </p:sp>
+      <p:pic>
+        <p:nvPicPr>
+          <p:cNvPr id="45" name="Picture 44" descr="latex-image-1.pdf"/>
+          <p:cNvPicPr>
+            <a:picLocks noChangeAspect="1"/>
+          </p:cNvPicPr>
+          <p:nvPr/>
+        </p:nvPicPr>
+        <p:blipFill>
+          <a:blip r:embed="rId3">
+            <a:extLst>
+              <a:ext uri="{28A0092B-C50C-407E-A947-70E740481C1C}">
+                <a14:useLocalDpi xmlns:a14="http://schemas.microsoft.com/office/drawing/2010/main" val="0"/>
+              </a:ext>
+            </a:extLst>
+          </a:blip>
+          <a:stretch>
+            <a:fillRect/>
+          </a:stretch>
+        </p:blipFill>
+        <p:spPr>
+          <a:xfrm>
+            <a:off x="8007350" y="4470400"/>
+            <a:ext cx="1104900" cy="203200"/>
+          </a:xfrm>
+          <a:prstGeom prst="rect">
+            <a:avLst/>
+          </a:prstGeom>
+        </p:spPr>
+      </p:pic>
+      <p:pic>
+        <p:nvPicPr>
+          <p:cNvPr id="92" name="Picture 91"/>
+          <p:cNvPicPr>
+            <a:picLocks noChangeAspect="1"/>
+          </p:cNvPicPr>
+          <p:nvPr/>
+        </p:nvPicPr>
+        <p:blipFill>
+          <a:blip r:embed="rId4"/>
+          <a:stretch>
+            <a:fillRect/>
+          </a:stretch>
+        </p:blipFill>
+        <p:spPr>
+          <a:xfrm>
+            <a:off x="1801160" y="3719488"/>
+            <a:ext cx="510240" cy="352376"/>
+          </a:xfrm>
+          <a:prstGeom prst="rect">
+            <a:avLst/>
+          </a:prstGeom>
+        </p:spPr>
+      </p:pic>
+      <p:pic>
+        <p:nvPicPr>
+          <p:cNvPr id="91" name="Picture 90"/>
+          <p:cNvPicPr>
+            <a:picLocks noChangeAspect="1"/>
+          </p:cNvPicPr>
+          <p:nvPr/>
+        </p:nvPicPr>
+        <p:blipFill>
+          <a:blip r:embed="rId5"/>
+          <a:stretch>
+            <a:fillRect/>
+          </a:stretch>
+        </p:blipFill>
+        <p:spPr>
+          <a:xfrm>
+            <a:off x="2224495" y="2871807"/>
+            <a:ext cx="514157" cy="355081"/>
+          </a:xfrm>
+          <a:prstGeom prst="rect">
+            <a:avLst/>
+          </a:prstGeom>
+        </p:spPr>
+      </p:pic>
+      <p:pic>
+        <p:nvPicPr>
+          <p:cNvPr id="8" name="Picture 7"/>
+          <p:cNvPicPr>
+            <a:picLocks noChangeAspect="1"/>
+          </p:cNvPicPr>
+          <p:nvPr/>
+        </p:nvPicPr>
+        <p:blipFill>
+          <a:blip r:embed="rId6"/>
+          <a:stretch>
+            <a:fillRect/>
+          </a:stretch>
+        </p:blipFill>
+        <p:spPr>
+          <a:xfrm>
+            <a:off x="4780398" y="1772516"/>
+            <a:ext cx="772682" cy="774700"/>
+          </a:xfrm>
+          <a:prstGeom prst="rect">
+            <a:avLst/>
+          </a:prstGeom>
+        </p:spPr>
+      </p:pic>
+      <p:pic>
+        <p:nvPicPr>
+          <p:cNvPr id="9" name="Picture 8"/>
+          <p:cNvPicPr>
+            <a:picLocks noChangeAspect="1"/>
+          </p:cNvPicPr>
+          <p:nvPr/>
+        </p:nvPicPr>
+        <p:blipFill>
+          <a:blip r:embed="rId7"/>
+          <a:stretch>
+            <a:fillRect/>
+          </a:stretch>
+        </p:blipFill>
+        <p:spPr>
+          <a:xfrm>
+            <a:off x="374421" y="2628900"/>
+            <a:ext cx="1346269" cy="1324672"/>
+          </a:xfrm>
+          <a:prstGeom prst="rect">
+            <a:avLst/>
+          </a:prstGeom>
+        </p:spPr>
+      </p:pic>
+      <p:pic>
+        <p:nvPicPr>
+          <p:cNvPr id="17" name="Picture 16"/>
+          <p:cNvPicPr>
+            <a:picLocks noChangeAspect="1"/>
+          </p:cNvPicPr>
+          <p:nvPr/>
+        </p:nvPicPr>
+        <p:blipFill>
+          <a:blip r:embed="rId8"/>
+          <a:stretch>
+            <a:fillRect/>
+          </a:stretch>
+        </p:blipFill>
+        <p:spPr>
+          <a:xfrm>
+            <a:off x="7680649" y="2222465"/>
+            <a:ext cx="1031311" cy="1868938"/>
+          </a:xfrm>
+          <a:prstGeom prst="rect">
+            <a:avLst/>
+          </a:prstGeom>
+        </p:spPr>
+      </p:pic>
+      <p:pic>
+        <p:nvPicPr>
+          <p:cNvPr id="53" name="Picture 52"/>
+          <p:cNvPicPr>
+            <a:picLocks noChangeAspect="1"/>
+          </p:cNvPicPr>
+          <p:nvPr/>
+        </p:nvPicPr>
+        <p:blipFill>
+          <a:blip r:embed="rId7"/>
+          <a:stretch>
+            <a:fillRect/>
+          </a:stretch>
+        </p:blipFill>
+        <p:spPr>
+          <a:xfrm>
+            <a:off x="2670256" y="1739798"/>
+            <a:ext cx="853834" cy="840136"/>
+          </a:xfrm>
+          <a:prstGeom prst="rect">
+            <a:avLst/>
+          </a:prstGeom>
+        </p:spPr>
+      </p:pic>
+      <p:cxnSp>
+        <p:nvCxnSpPr>
+          <p:cNvPr id="54" name="Connecteur droit avec flèche 24"/>
+          <p:cNvCxnSpPr/>
+          <p:nvPr/>
+        </p:nvCxnSpPr>
+        <p:spPr>
+          <a:xfrm>
+            <a:off x="1908194" y="3261320"/>
+            <a:ext cx="644506" cy="0"/>
+          </a:xfrm>
+          <a:prstGeom prst="straightConnector1">
+            <a:avLst/>
+          </a:prstGeom>
+          <a:ln w="19050" cmpd="sng">
+            <a:solidFill>
+              <a:srgbClr val="0000FF"/>
+            </a:solidFill>
+            <a:headEnd type="none"/>
+            <a:tailEnd type="none"/>
+          </a:ln>
+        </p:spPr>
+        <p:style>
+          <a:lnRef idx="2">
+            <a:schemeClr val="accent1"/>
+          </a:lnRef>
+          <a:fillRef idx="0">
+            <a:schemeClr val="accent1"/>
+          </a:fillRef>
+          <a:effectRef idx="1">
+            <a:schemeClr val="accent1"/>
+          </a:effectRef>
+          <a:fontRef idx="minor">
+            <a:schemeClr val="tx1"/>
+          </a:fontRef>
+        </p:style>
+      </p:cxnSp>
+      <p:cxnSp>
+        <p:nvCxnSpPr>
+          <p:cNvPr id="56" name="Connecteur droit avec flèche 24"/>
+          <p:cNvCxnSpPr/>
+          <p:nvPr/>
+        </p:nvCxnSpPr>
+        <p:spPr>
+          <a:xfrm>
+            <a:off x="1908194" y="3437508"/>
+            <a:ext cx="644506" cy="653895"/>
+          </a:xfrm>
+          <a:prstGeom prst="straightConnector1">
+            <a:avLst/>
+          </a:prstGeom>
+          <a:ln w="19050" cmpd="sng">
+            <a:solidFill>
+              <a:srgbClr val="0000FF"/>
+            </a:solidFill>
+            <a:headEnd type="none"/>
+            <a:tailEnd type="none"/>
+          </a:ln>
+        </p:spPr>
+        <p:style>
+          <a:lnRef idx="2">
+            <a:schemeClr val="accent1"/>
+          </a:lnRef>
+          <a:fillRef idx="0">
+            <a:schemeClr val="accent1"/>
+          </a:fillRef>
+          <a:effectRef idx="1">
+            <a:schemeClr val="accent1"/>
+          </a:effectRef>
+          <a:fontRef idx="minor">
+            <a:schemeClr val="tx1"/>
+          </a:fontRef>
+        </p:style>
+      </p:cxnSp>
+      <p:pic>
+        <p:nvPicPr>
+          <p:cNvPr id="58" name="Picture 57"/>
+          <p:cNvPicPr>
+            <a:picLocks noChangeAspect="1"/>
+          </p:cNvPicPr>
+          <p:nvPr/>
+        </p:nvPicPr>
+        <p:blipFill>
+          <a:blip r:embed="rId7"/>
+          <a:stretch>
+            <a:fillRect/>
+          </a:stretch>
+        </p:blipFill>
+        <p:spPr>
+          <a:xfrm>
+            <a:off x="2670256" y="2841252"/>
+            <a:ext cx="853834" cy="840136"/>
+          </a:xfrm>
+          <a:prstGeom prst="rect">
+            <a:avLst/>
+          </a:prstGeom>
+        </p:spPr>
+      </p:pic>
+      <p:pic>
+        <p:nvPicPr>
+          <p:cNvPr id="59" name="Picture 58"/>
+          <p:cNvPicPr>
+            <a:picLocks noChangeAspect="1"/>
+          </p:cNvPicPr>
+          <p:nvPr/>
+        </p:nvPicPr>
+        <p:blipFill>
+          <a:blip r:embed="rId7"/>
+          <a:stretch>
+            <a:fillRect/>
+          </a:stretch>
+        </p:blipFill>
+        <p:spPr>
+          <a:xfrm>
+            <a:off x="2670256" y="4010722"/>
+            <a:ext cx="853834" cy="840136"/>
+          </a:xfrm>
+          <a:prstGeom prst="rect">
+            <a:avLst/>
+          </a:prstGeom>
+        </p:spPr>
+      </p:pic>
+      <p:cxnSp>
+        <p:nvCxnSpPr>
+          <p:cNvPr id="60" name="Connecteur droit avec flèche 24"/>
+          <p:cNvCxnSpPr/>
+          <p:nvPr/>
+        </p:nvCxnSpPr>
+        <p:spPr>
+          <a:xfrm>
+            <a:off x="3749694" y="2166114"/>
+            <a:ext cx="720706" cy="0"/>
+          </a:xfrm>
+          <a:prstGeom prst="straightConnector1">
+            <a:avLst/>
+          </a:prstGeom>
+          <a:ln w="19050" cmpd="sng">
+            <a:solidFill>
+              <a:srgbClr val="FF6600"/>
+            </a:solidFill>
+            <a:headEnd type="none"/>
+            <a:tailEnd type="none"/>
+          </a:ln>
+        </p:spPr>
+        <p:style>
+          <a:lnRef idx="2">
+            <a:schemeClr val="accent1"/>
+          </a:lnRef>
+          <a:fillRef idx="0">
+            <a:schemeClr val="accent1"/>
+          </a:fillRef>
+          <a:effectRef idx="1">
+            <a:schemeClr val="accent1"/>
+          </a:effectRef>
+          <a:fontRef idx="minor">
+            <a:schemeClr val="tx1"/>
+          </a:fontRef>
+        </p:style>
+      </p:cxnSp>
+      <p:grpSp>
+        <p:nvGrpSpPr>
+          <p:cNvPr id="65" name="Group 64"/>
+          <p:cNvGrpSpPr/>
+          <p:nvPr/>
+        </p:nvGrpSpPr>
+        <p:grpSpPr>
+          <a:xfrm>
+            <a:off x="5832494" y="1772516"/>
+            <a:ext cx="428606" cy="774700"/>
+            <a:chOff x="5832494" y="1772516"/>
+            <a:chExt cx="428606" cy="774700"/>
+          </a:xfrm>
+        </p:grpSpPr>
+        <p:cxnSp>
+          <p:nvCxnSpPr>
+            <p:cNvPr id="75" name="Connecteur droit avec flèche 24"/>
+            <p:cNvCxnSpPr/>
+            <p:nvPr/>
+          </p:nvCxnSpPr>
+          <p:spPr>
+            <a:xfrm>
+              <a:off x="5832494" y="2159866"/>
+              <a:ext cx="428606" cy="0"/>
+            </a:xfrm>
+            <a:prstGeom prst="straightConnector1">
+              <a:avLst/>
+            </a:prstGeom>
+            <a:ln w="19050" cmpd="sng">
+              <a:solidFill>
+                <a:srgbClr val="0000FF"/>
+              </a:solidFill>
+              <a:headEnd type="none"/>
+              <a:tailEnd type="none"/>
+            </a:ln>
+          </p:spPr>
+          <p:style>
+            <a:lnRef idx="2">
+              <a:schemeClr val="accent1"/>
+            </a:lnRef>
+            <a:fillRef idx="0">
+              <a:schemeClr val="accent1"/>
+            </a:fillRef>
+            <a:effectRef idx="1">
+              <a:schemeClr val="accent1"/>
+            </a:effectRef>
+            <a:fontRef idx="minor">
+              <a:schemeClr val="tx1"/>
+            </a:fontRef>
+          </p:style>
+        </p:cxnSp>
+        <p:cxnSp>
+          <p:nvCxnSpPr>
+            <p:cNvPr id="76" name="Connecteur droit avec flèche 24"/>
+            <p:cNvCxnSpPr/>
+            <p:nvPr/>
+          </p:nvCxnSpPr>
+          <p:spPr>
+            <a:xfrm flipV="1">
+              <a:off x="5832494" y="1772516"/>
+              <a:ext cx="428606" cy="184150"/>
+            </a:xfrm>
+            <a:prstGeom prst="straightConnector1">
+              <a:avLst/>
+            </a:prstGeom>
+            <a:ln w="19050" cmpd="sng">
+              <a:solidFill>
+                <a:srgbClr val="0000FF"/>
+              </a:solidFill>
+              <a:headEnd type="none"/>
+              <a:tailEnd type="none"/>
+            </a:ln>
+          </p:spPr>
+          <p:style>
+            <a:lnRef idx="2">
+              <a:schemeClr val="accent1"/>
+            </a:lnRef>
+            <a:fillRef idx="0">
+              <a:schemeClr val="accent1"/>
+            </a:fillRef>
+            <a:effectRef idx="1">
+              <a:schemeClr val="accent1"/>
+            </a:effectRef>
+            <a:fontRef idx="minor">
+              <a:schemeClr val="tx1"/>
+            </a:fontRef>
+          </p:style>
+        </p:cxnSp>
+        <p:cxnSp>
+          <p:nvCxnSpPr>
+            <p:cNvPr id="77" name="Connecteur droit avec flèche 24"/>
+            <p:cNvCxnSpPr/>
+            <p:nvPr/>
+          </p:nvCxnSpPr>
+          <p:spPr>
+            <a:xfrm>
+              <a:off x="5832494" y="2336054"/>
+              <a:ext cx="428606" cy="211162"/>
+            </a:xfrm>
+            <a:prstGeom prst="straightConnector1">
+              <a:avLst/>
+            </a:prstGeom>
+            <a:ln w="19050" cmpd="sng">
+              <a:solidFill>
+                <a:srgbClr val="0000FF"/>
+              </a:solidFill>
+              <a:headEnd type="none"/>
+              <a:tailEnd type="none"/>
+            </a:ln>
+          </p:spPr>
+          <p:style>
+            <a:lnRef idx="2">
+              <a:schemeClr val="accent1"/>
+            </a:lnRef>
+            <a:fillRef idx="0">
+              <a:schemeClr val="accent1"/>
+            </a:fillRef>
+            <a:effectRef idx="1">
+              <a:schemeClr val="accent1"/>
+            </a:effectRef>
+            <a:fontRef idx="minor">
+              <a:schemeClr val="tx1"/>
+            </a:fontRef>
+          </p:style>
+        </p:cxnSp>
+      </p:grpSp>
+      <p:pic>
+        <p:nvPicPr>
+          <p:cNvPr id="79" name="Picture 78"/>
+          <p:cNvPicPr>
+            <a:picLocks noChangeAspect="1"/>
+          </p:cNvPicPr>
+          <p:nvPr/>
+        </p:nvPicPr>
+        <p:blipFill>
+          <a:blip r:embed="rId6"/>
+          <a:stretch>
+            <a:fillRect/>
+          </a:stretch>
+        </p:blipFill>
+        <p:spPr>
+          <a:xfrm>
+            <a:off x="4780398" y="2873970"/>
+            <a:ext cx="772682" cy="774700"/>
+          </a:xfrm>
+          <a:prstGeom prst="rect">
+            <a:avLst/>
+          </a:prstGeom>
+        </p:spPr>
+      </p:pic>
+      <p:cxnSp>
+        <p:nvCxnSpPr>
+          <p:cNvPr id="80" name="Connecteur droit avec flèche 24"/>
+          <p:cNvCxnSpPr/>
+          <p:nvPr/>
+        </p:nvCxnSpPr>
+        <p:spPr>
+          <a:xfrm>
+            <a:off x="3749694" y="3267568"/>
+            <a:ext cx="720706" cy="0"/>
+          </a:xfrm>
+          <a:prstGeom prst="straightConnector1">
+            <a:avLst/>
+          </a:prstGeom>
+          <a:ln w="19050" cmpd="sng">
+            <a:solidFill>
+              <a:srgbClr val="FF6600"/>
+            </a:solidFill>
+            <a:headEnd type="none"/>
+            <a:tailEnd type="none"/>
+          </a:ln>
+        </p:spPr>
+        <p:style>
+          <a:lnRef idx="2">
+            <a:schemeClr val="accent1"/>
+          </a:lnRef>
+          <a:fillRef idx="0">
+            <a:schemeClr val="accent1"/>
+          </a:fillRef>
+          <a:effectRef idx="1">
+            <a:schemeClr val="accent1"/>
+          </a:effectRef>
+          <a:fontRef idx="minor">
+            <a:schemeClr val="tx1"/>
+          </a:fontRef>
+        </p:style>
+      </p:cxnSp>
+      <p:pic>
+        <p:nvPicPr>
+          <p:cNvPr id="84" name="Picture 83"/>
+          <p:cNvPicPr>
+            <a:picLocks noChangeAspect="1"/>
+          </p:cNvPicPr>
+          <p:nvPr/>
+        </p:nvPicPr>
+        <p:blipFill>
+          <a:blip r:embed="rId6"/>
+          <a:stretch>
+            <a:fillRect/>
+          </a:stretch>
+        </p:blipFill>
+        <p:spPr>
+          <a:xfrm>
+            <a:off x="4780398" y="4036122"/>
+            <a:ext cx="772682" cy="774700"/>
+          </a:xfrm>
+          <a:prstGeom prst="rect">
+            <a:avLst/>
+          </a:prstGeom>
+        </p:spPr>
+      </p:pic>
+      <p:cxnSp>
+        <p:nvCxnSpPr>
+          <p:cNvPr id="85" name="Connecteur droit avec flèche 24"/>
+          <p:cNvCxnSpPr/>
+          <p:nvPr/>
+        </p:nvCxnSpPr>
+        <p:spPr>
+          <a:xfrm>
+            <a:off x="3749694" y="4429720"/>
+            <a:ext cx="720706" cy="0"/>
+          </a:xfrm>
+          <a:prstGeom prst="straightConnector1">
+            <a:avLst/>
+          </a:prstGeom>
+          <a:ln w="19050" cmpd="sng">
+            <a:solidFill>
+              <a:srgbClr val="FF6600"/>
+            </a:solidFill>
+            <a:headEnd type="none"/>
+            <a:tailEnd type="none"/>
+          </a:ln>
+        </p:spPr>
+        <p:style>
+          <a:lnRef idx="2">
+            <a:schemeClr val="accent1"/>
+          </a:lnRef>
+          <a:fillRef idx="0">
+            <a:schemeClr val="accent1"/>
+          </a:fillRef>
+          <a:effectRef idx="1">
+            <a:schemeClr val="accent1"/>
+          </a:effectRef>
+          <a:fontRef idx="minor">
+            <a:schemeClr val="tx1"/>
+          </a:fontRef>
+        </p:style>
+      </p:cxnSp>
+      <p:sp>
+        <p:nvSpPr>
+          <p:cNvPr id="89" name="Rectangle 88"/>
+          <p:cNvSpPr/>
+          <p:nvPr/>
+        </p:nvSpPr>
+        <p:spPr>
+          <a:xfrm>
+            <a:off x="280406" y="3921720"/>
+            <a:ext cx="1492178" cy="553998"/>
+          </a:xfrm>
+          <a:prstGeom prst="rect">
+            <a:avLst/>
+          </a:prstGeom>
+        </p:spPr>
+        <p:txBody>
+          <a:bodyPr wrap="none">
+            <a:spAutoFit/>
+          </a:bodyPr>
+          <a:lstStyle/>
+          <a:p>
+            <a:pPr algn="ctr"/>
+            <a:r>
+              <a:rPr lang="en-US" sz="1200" b="1" i="1" dirty="0" smtClean="0">
+                <a:solidFill>
+                  <a:srgbClr val="008000"/>
+                </a:solidFill>
+              </a:rPr>
+              <a:t>Graph</a:t>
+            </a:r>
+          </a:p>
+          <a:p>
+            <a:pPr algn="ctr"/>
+            <a:r>
+              <a:rPr lang="en-US" sz="900" b="1" i="1" dirty="0" smtClean="0">
+                <a:solidFill>
+                  <a:srgbClr val="008000"/>
+                </a:solidFill>
+              </a:rPr>
+              <a:t>Ex: social, biological, </a:t>
+            </a:r>
+          </a:p>
+          <a:p>
+            <a:pPr algn="ctr"/>
+            <a:r>
+              <a:rPr lang="en-US" sz="900" b="1" i="1" dirty="0" smtClean="0">
+                <a:solidFill>
+                  <a:srgbClr val="008000"/>
+                </a:solidFill>
+              </a:rPr>
+              <a:t>telecommunication graphs</a:t>
+            </a:r>
+          </a:p>
+        </p:txBody>
+      </p:sp>
+      <p:sp>
+        <p:nvSpPr>
+          <p:cNvPr id="93" name="Rectangle 92"/>
+          <p:cNvSpPr/>
+          <p:nvPr/>
+        </p:nvSpPr>
+        <p:spPr>
+          <a:xfrm>
+            <a:off x="1293641" y="1660617"/>
+            <a:ext cx="1406912" cy="553998"/>
+          </a:xfrm>
+          <a:prstGeom prst="rect">
+            <a:avLst/>
+          </a:prstGeom>
+        </p:spPr>
+        <p:txBody>
+          <a:bodyPr wrap="none">
+            <a:spAutoFit/>
+          </a:bodyPr>
+          <a:lstStyle/>
+          <a:p>
+            <a:pPr algn="ctr"/>
+            <a:r>
+              <a:rPr lang="en-US" sz="1200" b="1" i="1" dirty="0" smtClean="0">
+                <a:solidFill>
+                  <a:srgbClr val="0000FF"/>
+                </a:solidFill>
+              </a:rPr>
+              <a:t>Spectral Filters</a:t>
+            </a:r>
+          </a:p>
+          <a:p>
+            <a:pPr algn="ctr"/>
+            <a:r>
+              <a:rPr lang="en-US" sz="900" b="1" i="1" dirty="0" smtClean="0">
+                <a:solidFill>
+                  <a:srgbClr val="0000FF"/>
+                </a:solidFill>
+              </a:rPr>
+              <a:t>O(K) parameters</a:t>
+            </a:r>
+          </a:p>
+          <a:p>
+            <a:pPr algn="ctr"/>
+            <a:r>
+              <a:rPr lang="en-US" sz="900" b="1" i="1" dirty="0" smtClean="0">
+                <a:solidFill>
+                  <a:srgbClr val="0000FF"/>
+                </a:solidFill>
+              </a:rPr>
+              <a:t>O(E.K) operations (GPUs)</a:t>
+            </a:r>
+          </a:p>
+        </p:txBody>
+      </p:sp>
+      <p:pic>
+        <p:nvPicPr>
+          <p:cNvPr id="90" name="Picture 89"/>
+          <p:cNvPicPr>
+            <a:picLocks noChangeAspect="1"/>
+          </p:cNvPicPr>
+          <p:nvPr/>
+        </p:nvPicPr>
+        <p:blipFill>
+          <a:blip r:embed="rId9"/>
+          <a:stretch>
+            <a:fillRect/>
+          </a:stretch>
+        </p:blipFill>
+        <p:spPr>
+          <a:xfrm>
+            <a:off x="1637903" y="2460354"/>
+            <a:ext cx="548493" cy="380898"/>
+          </a:xfrm>
+          <a:prstGeom prst="rect">
+            <a:avLst/>
+          </a:prstGeom>
+        </p:spPr>
+      </p:pic>
+      <p:cxnSp>
+        <p:nvCxnSpPr>
+          <p:cNvPr id="55" name="Connecteur droit avec flèche 24"/>
+          <p:cNvCxnSpPr/>
+          <p:nvPr/>
+        </p:nvCxnSpPr>
+        <p:spPr>
+          <a:xfrm flipV="1">
+            <a:off x="1908194" y="2460354"/>
+            <a:ext cx="644506" cy="597766"/>
+          </a:xfrm>
+          <a:prstGeom prst="straightConnector1">
+            <a:avLst/>
+          </a:prstGeom>
+          <a:ln w="19050" cmpd="sng">
+            <a:solidFill>
+              <a:srgbClr val="0000FF"/>
+            </a:solidFill>
+            <a:headEnd type="none"/>
+            <a:tailEnd type="none"/>
+          </a:ln>
+        </p:spPr>
+        <p:style>
+          <a:lnRef idx="2">
+            <a:schemeClr val="accent1"/>
+          </a:lnRef>
+          <a:fillRef idx="0">
+            <a:schemeClr val="accent1"/>
+          </a:fillRef>
+          <a:effectRef idx="1">
+            <a:schemeClr val="accent1"/>
+          </a:effectRef>
+          <a:fontRef idx="minor">
+            <a:schemeClr val="tx1"/>
+          </a:fontRef>
+        </p:style>
+      </p:cxnSp>
+      <p:pic>
+        <p:nvPicPr>
+          <p:cNvPr id="34" name="Picture 33"/>
+          <p:cNvPicPr>
+            <a:picLocks noChangeAspect="1"/>
+          </p:cNvPicPr>
+          <p:nvPr/>
+        </p:nvPicPr>
+        <p:blipFill>
+          <a:blip r:embed="rId10"/>
+          <a:stretch>
+            <a:fillRect/>
+          </a:stretch>
+        </p:blipFill>
+        <p:spPr>
+          <a:xfrm>
+            <a:off x="6515865" y="1578047"/>
+            <a:ext cx="320548" cy="312737"/>
+          </a:xfrm>
+          <a:prstGeom prst="rect">
+            <a:avLst/>
+          </a:prstGeom>
+        </p:spPr>
+      </p:pic>
+      <p:pic>
+        <p:nvPicPr>
+          <p:cNvPr id="35" name="Picture 34"/>
+          <p:cNvPicPr>
+            <a:picLocks noChangeAspect="1"/>
+          </p:cNvPicPr>
+          <p:nvPr/>
+        </p:nvPicPr>
+        <p:blipFill>
+          <a:blip r:embed="rId10"/>
+          <a:stretch>
+            <a:fillRect/>
+          </a:stretch>
+        </p:blipFill>
+        <p:spPr>
+          <a:xfrm>
+            <a:off x="6515865" y="1984447"/>
+            <a:ext cx="320548" cy="312737"/>
+          </a:xfrm>
+          <a:prstGeom prst="rect">
+            <a:avLst/>
+          </a:prstGeom>
+        </p:spPr>
+      </p:pic>
+      <p:pic>
+        <p:nvPicPr>
+          <p:cNvPr id="36" name="Picture 35"/>
+          <p:cNvPicPr>
+            <a:picLocks noChangeAspect="1"/>
+          </p:cNvPicPr>
+          <p:nvPr/>
+        </p:nvPicPr>
+        <p:blipFill>
+          <a:blip r:embed="rId10"/>
+          <a:stretch>
+            <a:fillRect/>
+          </a:stretch>
+        </p:blipFill>
+        <p:spPr>
+          <a:xfrm>
+            <a:off x="6515865" y="2371797"/>
+            <a:ext cx="320548" cy="312737"/>
+          </a:xfrm>
+          <a:prstGeom prst="rect">
+            <a:avLst/>
+          </a:prstGeom>
+        </p:spPr>
+      </p:pic>
+      <p:pic>
+        <p:nvPicPr>
+          <p:cNvPr id="37" name="Picture 36"/>
+          <p:cNvPicPr>
+            <a:picLocks noChangeAspect="1"/>
+          </p:cNvPicPr>
+          <p:nvPr/>
+        </p:nvPicPr>
+        <p:blipFill>
+          <a:blip r:embed="rId10"/>
+          <a:stretch>
+            <a:fillRect/>
+          </a:stretch>
+        </p:blipFill>
+        <p:spPr>
+          <a:xfrm>
+            <a:off x="6515865" y="2772069"/>
+            <a:ext cx="320548" cy="312737"/>
+          </a:xfrm>
+          <a:prstGeom prst="rect">
+            <a:avLst/>
+          </a:prstGeom>
+        </p:spPr>
+      </p:pic>
+      <p:pic>
+        <p:nvPicPr>
+          <p:cNvPr id="38" name="Picture 37"/>
+          <p:cNvPicPr>
+            <a:picLocks noChangeAspect="1"/>
+          </p:cNvPicPr>
+          <p:nvPr/>
+        </p:nvPicPr>
+        <p:blipFill>
+          <a:blip r:embed="rId10"/>
+          <a:stretch>
+            <a:fillRect/>
+          </a:stretch>
+        </p:blipFill>
+        <p:spPr>
+          <a:xfrm>
+            <a:off x="6515865" y="3178469"/>
+            <a:ext cx="320548" cy="312737"/>
+          </a:xfrm>
+          <a:prstGeom prst="rect">
+            <a:avLst/>
+          </a:prstGeom>
+        </p:spPr>
+      </p:pic>
+      <p:pic>
+        <p:nvPicPr>
+          <p:cNvPr id="39" name="Picture 38"/>
+          <p:cNvPicPr>
+            <a:picLocks noChangeAspect="1"/>
+          </p:cNvPicPr>
+          <p:nvPr/>
+        </p:nvPicPr>
+        <p:blipFill>
+          <a:blip r:embed="rId10"/>
+          <a:stretch>
+            <a:fillRect/>
+          </a:stretch>
+        </p:blipFill>
+        <p:spPr>
+          <a:xfrm>
+            <a:off x="6515865" y="3565819"/>
+            <a:ext cx="320548" cy="312737"/>
+          </a:xfrm>
+          <a:prstGeom prst="rect">
+            <a:avLst/>
+          </a:prstGeom>
+        </p:spPr>
+      </p:pic>
+      <p:pic>
+        <p:nvPicPr>
+          <p:cNvPr id="40" name="Picture 39"/>
+          <p:cNvPicPr>
+            <a:picLocks noChangeAspect="1"/>
+          </p:cNvPicPr>
+          <p:nvPr/>
+        </p:nvPicPr>
+        <p:blipFill>
+          <a:blip r:embed="rId10"/>
+          <a:stretch>
+            <a:fillRect/>
+          </a:stretch>
+        </p:blipFill>
+        <p:spPr>
+          <a:xfrm>
+            <a:off x="6515865" y="3988887"/>
+            <a:ext cx="320548" cy="312737"/>
+          </a:xfrm>
+          <a:prstGeom prst="rect">
+            <a:avLst/>
+          </a:prstGeom>
+        </p:spPr>
+      </p:pic>
+      <p:pic>
+        <p:nvPicPr>
+          <p:cNvPr id="41" name="Picture 40"/>
+          <p:cNvPicPr>
+            <a:picLocks noChangeAspect="1"/>
+          </p:cNvPicPr>
+          <p:nvPr/>
+        </p:nvPicPr>
+        <p:blipFill>
+          <a:blip r:embed="rId10"/>
+          <a:stretch>
+            <a:fillRect/>
+          </a:stretch>
+        </p:blipFill>
+        <p:spPr>
+          <a:xfrm>
+            <a:off x="6515865" y="4395287"/>
+            <a:ext cx="320548" cy="312737"/>
+          </a:xfrm>
+          <a:prstGeom prst="rect">
+            <a:avLst/>
+          </a:prstGeom>
+        </p:spPr>
+      </p:pic>
+      <p:pic>
+        <p:nvPicPr>
+          <p:cNvPr id="42" name="Picture 41"/>
+          <p:cNvPicPr>
+            <a:picLocks noChangeAspect="1"/>
+          </p:cNvPicPr>
+          <p:nvPr/>
+        </p:nvPicPr>
+        <p:blipFill>
+          <a:blip r:embed="rId10"/>
+          <a:stretch>
+            <a:fillRect/>
+          </a:stretch>
+        </p:blipFill>
+        <p:spPr>
+          <a:xfrm>
+            <a:off x="6515865" y="4782637"/>
+            <a:ext cx="320548" cy="312737"/>
+          </a:xfrm>
+          <a:prstGeom prst="rect">
+            <a:avLst/>
+          </a:prstGeom>
+        </p:spPr>
+      </p:pic>
+      <p:sp>
+        <p:nvSpPr>
+          <p:cNvPr id="6" name="Rectangle 5"/>
+          <p:cNvSpPr/>
+          <p:nvPr/>
+        </p:nvSpPr>
+        <p:spPr>
+          <a:xfrm>
+            <a:off x="7029465" y="2684534"/>
+            <a:ext cx="577590" cy="707886"/>
+          </a:xfrm>
+          <a:prstGeom prst="rect">
+            <a:avLst/>
+          </a:prstGeom>
+        </p:spPr>
+        <p:txBody>
+          <a:bodyPr wrap="none">
+            <a:spAutoFit/>
+          </a:bodyPr>
+          <a:lstStyle/>
+          <a:p>
+            <a:r>
+              <a:rPr lang="is-IS" sz="4000" b="1" i="1" dirty="0" smtClean="0">
+                <a:solidFill>
+                  <a:srgbClr val="0000FF"/>
+                </a:solidFill>
+              </a:rPr>
+              <a:t>…</a:t>
+            </a:r>
+            <a:endParaRPr lang="en-US" sz="4000" dirty="0">
+              <a:solidFill>
+                <a:srgbClr val="0000FF"/>
+              </a:solidFill>
+            </a:endParaRPr>
+          </a:p>
+        </p:txBody>
+      </p:sp>
+      <p:sp>
+        <p:nvSpPr>
+          <p:cNvPr id="46" name="Rectangle 45"/>
+          <p:cNvSpPr/>
+          <p:nvPr/>
+        </p:nvSpPr>
+        <p:spPr>
+          <a:xfrm>
+            <a:off x="663001" y="5569134"/>
+            <a:ext cx="973143" cy="461665"/>
+          </a:xfrm>
+          <a:prstGeom prst="rect">
+            <a:avLst/>
+          </a:prstGeom>
+        </p:spPr>
+        <p:txBody>
+          <a:bodyPr wrap="none">
+            <a:spAutoFit/>
+          </a:bodyPr>
+          <a:lstStyle/>
+          <a:p>
+            <a:pPr algn="ctr"/>
+            <a:r>
+              <a:rPr lang="en-US" sz="1200" b="1" i="1" dirty="0" smtClean="0">
+                <a:solidFill>
+                  <a:srgbClr val="000000"/>
+                </a:solidFill>
+              </a:rPr>
+              <a:t>Input signal</a:t>
+            </a:r>
+          </a:p>
+          <a:p>
+            <a:pPr algn="ctr"/>
+            <a:r>
+              <a:rPr lang="en-US" sz="1200" b="1" i="1" dirty="0">
+                <a:solidFill>
+                  <a:srgbClr val="000000"/>
+                </a:solidFill>
+              </a:rPr>
+              <a:t>o</a:t>
+            </a:r>
+            <a:r>
+              <a:rPr lang="en-US" sz="1200" b="1" i="1" dirty="0" smtClean="0">
+                <a:solidFill>
+                  <a:srgbClr val="000000"/>
+                </a:solidFill>
+              </a:rPr>
+              <a:t>n graphs</a:t>
+            </a:r>
+            <a:endParaRPr lang="en-US" sz="900" b="1" i="1" dirty="0" smtClean="0">
+              <a:solidFill>
+                <a:srgbClr val="000000"/>
+              </a:solidFill>
+            </a:endParaRPr>
+          </a:p>
+        </p:txBody>
+      </p:sp>
+      <p:sp>
+        <p:nvSpPr>
+          <p:cNvPr id="7" name="Left Bracket 6"/>
+          <p:cNvSpPr/>
+          <p:nvPr/>
+        </p:nvSpPr>
+        <p:spPr>
+          <a:xfrm rot="16200000">
+            <a:off x="1118142" y="4985552"/>
+            <a:ext cx="45719" cy="1095403"/>
+          </a:xfrm>
+          <a:prstGeom prst="leftBracket">
+            <a:avLst/>
+          </a:prstGeom>
+          <a:ln>
+            <a:solidFill>
+              <a:schemeClr val="tx1"/>
+            </a:solidFill>
+          </a:ln>
+        </p:spPr>
+        <p:style>
+          <a:lnRef idx="2">
+            <a:schemeClr val="accent1"/>
+          </a:lnRef>
+          <a:fillRef idx="0">
+            <a:schemeClr val="accent1"/>
+          </a:fillRef>
+          <a:effectRef idx="1">
+            <a:schemeClr val="accent1"/>
+          </a:effectRef>
+          <a:fontRef idx="minor">
+            <a:schemeClr val="tx1"/>
+          </a:fontRef>
+        </p:style>
+        <p:txBody>
+          <a:bodyPr rtlCol="0" anchor="ctr"/>
+          <a:lstStyle/>
+          <a:p>
+            <a:pPr algn="ctr"/>
+            <a:endParaRPr lang="en-US"/>
+          </a:p>
+        </p:txBody>
+      </p:sp>
+      <p:sp>
+        <p:nvSpPr>
+          <p:cNvPr id="48" name="Rectangle 47"/>
+          <p:cNvSpPr/>
+          <p:nvPr/>
+        </p:nvSpPr>
+        <p:spPr>
+          <a:xfrm>
+            <a:off x="2992660" y="5543413"/>
+            <a:ext cx="3031248" cy="461665"/>
+          </a:xfrm>
+          <a:prstGeom prst="rect">
+            <a:avLst/>
+          </a:prstGeom>
+        </p:spPr>
+        <p:txBody>
+          <a:bodyPr wrap="none">
+            <a:spAutoFit/>
+          </a:bodyPr>
+          <a:lstStyle/>
+          <a:p>
+            <a:pPr algn="ctr"/>
+            <a:r>
+              <a:rPr lang="en-US" sz="1200" b="1" i="1" dirty="0" smtClean="0">
+                <a:solidFill>
+                  <a:srgbClr val="000000"/>
+                </a:solidFill>
+              </a:rPr>
+              <a:t>Graph convolutional layers</a:t>
+            </a:r>
+          </a:p>
+          <a:p>
+            <a:pPr algn="ctr"/>
+            <a:r>
+              <a:rPr lang="en-US" sz="1200" b="1" i="1" dirty="0" smtClean="0">
+                <a:solidFill>
+                  <a:srgbClr val="000000"/>
+                </a:solidFill>
+              </a:rPr>
+              <a:t>(extract local stationary features on graphs)</a:t>
+            </a:r>
+            <a:endParaRPr lang="en-US" sz="900" b="1" i="1" dirty="0" smtClean="0">
+              <a:solidFill>
+                <a:srgbClr val="000000"/>
+              </a:solidFill>
+            </a:endParaRPr>
+          </a:p>
+        </p:txBody>
+      </p:sp>
+      <p:sp>
+        <p:nvSpPr>
+          <p:cNvPr id="49" name="Left Bracket 48"/>
+          <p:cNvSpPr/>
+          <p:nvPr/>
+        </p:nvSpPr>
+        <p:spPr>
+          <a:xfrm rot="16200000">
+            <a:off x="4432671" y="2959321"/>
+            <a:ext cx="45719" cy="5147868"/>
+          </a:xfrm>
+          <a:prstGeom prst="leftBracket">
+            <a:avLst/>
+          </a:prstGeom>
+          <a:ln>
+            <a:solidFill>
+              <a:schemeClr val="tx1"/>
+            </a:solidFill>
+          </a:ln>
+        </p:spPr>
+        <p:style>
+          <a:lnRef idx="2">
+            <a:schemeClr val="accent1"/>
+          </a:lnRef>
+          <a:fillRef idx="0">
+            <a:schemeClr val="accent1"/>
+          </a:fillRef>
+          <a:effectRef idx="1">
+            <a:schemeClr val="accent1"/>
+          </a:effectRef>
+          <a:fontRef idx="minor">
+            <a:schemeClr val="tx1"/>
+          </a:fontRef>
+        </p:style>
+        <p:txBody>
+          <a:bodyPr rtlCol="0" anchor="ctr"/>
+          <a:lstStyle/>
+          <a:p>
+            <a:pPr algn="ctr"/>
+            <a:endParaRPr lang="en-US"/>
+          </a:p>
+        </p:txBody>
+      </p:sp>
+      <p:sp>
+        <p:nvSpPr>
+          <p:cNvPr id="50" name="Rectangle 49"/>
+          <p:cNvSpPr/>
+          <p:nvPr/>
+        </p:nvSpPr>
+        <p:spPr>
+          <a:xfrm>
+            <a:off x="7411582" y="5569134"/>
+            <a:ext cx="1627619" cy="276999"/>
+          </a:xfrm>
+          <a:prstGeom prst="rect">
+            <a:avLst/>
+          </a:prstGeom>
+        </p:spPr>
+        <p:txBody>
+          <a:bodyPr wrap="none">
+            <a:spAutoFit/>
+          </a:bodyPr>
+          <a:lstStyle/>
+          <a:p>
+            <a:pPr algn="ctr"/>
+            <a:r>
+              <a:rPr lang="en-US" sz="1200" b="1" i="1" dirty="0" smtClean="0">
+                <a:solidFill>
+                  <a:srgbClr val="000000"/>
+                </a:solidFill>
+              </a:rPr>
+              <a:t>Fully connected layers</a:t>
+            </a:r>
+            <a:endParaRPr lang="en-US" sz="900" b="1" i="1" dirty="0" smtClean="0">
+              <a:solidFill>
+                <a:srgbClr val="000000"/>
+              </a:solidFill>
+            </a:endParaRPr>
+          </a:p>
+        </p:txBody>
+      </p:sp>
+      <p:sp>
+        <p:nvSpPr>
+          <p:cNvPr id="51" name="Left Bracket 50"/>
+          <p:cNvSpPr/>
+          <p:nvPr/>
+        </p:nvSpPr>
+        <p:spPr>
+          <a:xfrm rot="16200000">
+            <a:off x="8193958" y="4985552"/>
+            <a:ext cx="45719" cy="1095403"/>
+          </a:xfrm>
+          <a:prstGeom prst="leftBracket">
+            <a:avLst/>
+          </a:prstGeom>
+          <a:ln>
+            <a:solidFill>
+              <a:schemeClr val="tx1"/>
+            </a:solidFill>
+          </a:ln>
+        </p:spPr>
+        <p:style>
+          <a:lnRef idx="2">
+            <a:schemeClr val="accent1"/>
+          </a:lnRef>
+          <a:fillRef idx="0">
+            <a:schemeClr val="accent1"/>
+          </a:fillRef>
+          <a:effectRef idx="1">
+            <a:schemeClr val="accent1"/>
+          </a:effectRef>
+          <a:fontRef idx="minor">
+            <a:schemeClr val="tx1"/>
+          </a:fontRef>
+        </p:style>
+        <p:txBody>
+          <a:bodyPr rtlCol="0" anchor="ctr"/>
+          <a:lstStyle/>
+          <a:p>
+            <a:pPr algn="ctr"/>
+            <a:endParaRPr lang="en-US"/>
+          </a:p>
+        </p:txBody>
+      </p:sp>
+      <p:sp>
+        <p:nvSpPr>
+          <p:cNvPr id="52" name="Rectangle 51"/>
+          <p:cNvSpPr/>
+          <p:nvPr/>
+        </p:nvSpPr>
+        <p:spPr>
+          <a:xfrm>
+            <a:off x="8064927" y="3839272"/>
+            <a:ext cx="1088334" cy="415498"/>
+          </a:xfrm>
+          <a:prstGeom prst="rect">
+            <a:avLst/>
+          </a:prstGeom>
+        </p:spPr>
+        <p:txBody>
+          <a:bodyPr wrap="none">
+            <a:spAutoFit/>
+          </a:bodyPr>
+          <a:lstStyle/>
+          <a:p>
+            <a:pPr algn="ctr"/>
+            <a:r>
+              <a:rPr lang="en-US" sz="1200" b="1" i="1" dirty="0" smtClean="0">
+                <a:solidFill>
+                  <a:srgbClr val="660066"/>
+                </a:solidFill>
+              </a:rPr>
+              <a:t>Output signal</a:t>
+            </a:r>
+          </a:p>
+          <a:p>
+            <a:pPr algn="ctr"/>
+            <a:r>
+              <a:rPr lang="en-US" sz="900" b="1" i="1" dirty="0" smtClean="0">
+                <a:solidFill>
+                  <a:srgbClr val="660066"/>
+                </a:solidFill>
+              </a:rPr>
+              <a:t>Class labels</a:t>
+            </a:r>
+          </a:p>
+        </p:txBody>
+      </p:sp>
+      <p:pic>
+        <p:nvPicPr>
+          <p:cNvPr id="12" name="Picture 11" descr="latex-image-1.pdf"/>
+          <p:cNvPicPr>
+            <a:picLocks noChangeAspect="1"/>
+          </p:cNvPicPr>
+          <p:nvPr/>
+        </p:nvPicPr>
+        <p:blipFill>
+          <a:blip r:embed="rId11">
+            <a:extLst>
+              <a:ext uri="{28A0092B-C50C-407E-A947-70E740481C1C}">
+                <a14:useLocalDpi xmlns:a14="http://schemas.microsoft.com/office/drawing/2010/main" val="0"/>
+              </a:ext>
+            </a:extLst>
+          </a:blip>
+          <a:stretch>
+            <a:fillRect/>
+          </a:stretch>
+        </p:blipFill>
+        <p:spPr>
+          <a:xfrm>
+            <a:off x="771182" y="4542924"/>
+            <a:ext cx="596900" cy="165100"/>
+          </a:xfrm>
+          <a:prstGeom prst="rect">
+            <a:avLst/>
+          </a:prstGeom>
+        </p:spPr>
+      </p:pic>
+      <p:pic>
+        <p:nvPicPr>
+          <p:cNvPr id="13" name="Picture 12" descr="latex-image-1.pdf"/>
+          <p:cNvPicPr>
+            <a:picLocks noChangeAspect="1"/>
+          </p:cNvPicPr>
+          <p:nvPr/>
+        </p:nvPicPr>
+        <p:blipFill>
+          <a:blip r:embed="rId12">
+            <a:extLst>
+              <a:ext uri="{28A0092B-C50C-407E-A947-70E740481C1C}">
+                <a14:useLocalDpi xmlns:a14="http://schemas.microsoft.com/office/drawing/2010/main" val="0"/>
+              </a:ext>
+            </a:extLst>
+          </a:blip>
+          <a:stretch>
+            <a:fillRect/>
+          </a:stretch>
+        </p:blipFill>
+        <p:spPr>
+          <a:xfrm>
+            <a:off x="584200" y="4965700"/>
+            <a:ext cx="1092200" cy="203200"/>
+          </a:xfrm>
+          <a:prstGeom prst="rect">
+            <a:avLst/>
+          </a:prstGeom>
+        </p:spPr>
+      </p:pic>
+      <p:pic>
+        <p:nvPicPr>
+          <p:cNvPr id="14" name="Picture 13" descr="latex-image-1.pdf"/>
+          <p:cNvPicPr>
+            <a:picLocks noChangeAspect="1"/>
+          </p:cNvPicPr>
+          <p:nvPr/>
+        </p:nvPicPr>
+        <p:blipFill>
+          <a:blip r:embed="rId13">
+            <a:extLst>
+              <a:ext uri="{28A0092B-C50C-407E-A947-70E740481C1C}">
+                <a14:useLocalDpi xmlns:a14="http://schemas.microsoft.com/office/drawing/2010/main" val="0"/>
+              </a:ext>
+            </a:extLst>
+          </a:blip>
+          <a:stretch>
+            <a:fillRect/>
+          </a:stretch>
+        </p:blipFill>
+        <p:spPr>
+          <a:xfrm rot="5400000">
+            <a:off x="928566" y="4848864"/>
+            <a:ext cx="137156" cy="45719"/>
+          </a:xfrm>
+          <a:prstGeom prst="rect">
+            <a:avLst/>
+          </a:prstGeom>
+        </p:spPr>
+      </p:pic>
+      <p:pic>
+        <p:nvPicPr>
+          <p:cNvPr id="18" name="Picture 17" descr="latex-image-1.pdf"/>
+          <p:cNvPicPr>
+            <a:picLocks noChangeAspect="1"/>
+          </p:cNvPicPr>
+          <p:nvPr/>
+        </p:nvPicPr>
+        <p:blipFill>
+          <a:blip r:embed="rId14">
+            <a:extLst>
+              <a:ext uri="{28A0092B-C50C-407E-A947-70E740481C1C}">
+                <a14:useLocalDpi xmlns:a14="http://schemas.microsoft.com/office/drawing/2010/main" val="0"/>
+              </a:ext>
+            </a:extLst>
+          </a:blip>
+          <a:stretch>
+            <a:fillRect/>
+          </a:stretch>
+        </p:blipFill>
+        <p:spPr>
+          <a:xfrm>
+            <a:off x="2606694" y="5168900"/>
+            <a:ext cx="1143000" cy="203200"/>
+          </a:xfrm>
+          <a:prstGeom prst="rect">
+            <a:avLst/>
+          </a:prstGeom>
+        </p:spPr>
+      </p:pic>
+      <p:pic>
+        <p:nvPicPr>
+          <p:cNvPr id="19" name="Picture 18" descr="latex-image-1.pdf"/>
+          <p:cNvPicPr>
+            <a:picLocks noChangeAspect="1"/>
+          </p:cNvPicPr>
+          <p:nvPr/>
+        </p:nvPicPr>
+        <p:blipFill>
+          <a:blip r:embed="rId15">
+            <a:extLst>
+              <a:ext uri="{28A0092B-C50C-407E-A947-70E740481C1C}">
+                <a14:useLocalDpi xmlns:a14="http://schemas.microsoft.com/office/drawing/2010/main" val="0"/>
+              </a:ext>
+            </a:extLst>
+          </a:blip>
+          <a:stretch>
+            <a:fillRect/>
+          </a:stretch>
+        </p:blipFill>
+        <p:spPr>
+          <a:xfrm>
+            <a:off x="4673600" y="4889500"/>
+            <a:ext cx="1117600" cy="203200"/>
+          </a:xfrm>
+          <a:prstGeom prst="rect">
+            <a:avLst/>
+          </a:prstGeom>
+        </p:spPr>
+      </p:pic>
+      <p:pic>
+        <p:nvPicPr>
+          <p:cNvPr id="21" name="Picture 20" descr="latex-image-1.pdf"/>
+          <p:cNvPicPr>
+            <a:picLocks noChangeAspect="1"/>
+          </p:cNvPicPr>
+          <p:nvPr/>
+        </p:nvPicPr>
+        <p:blipFill>
+          <a:blip r:embed="rId16">
+            <a:extLst>
+              <a:ext uri="{28A0092B-C50C-407E-A947-70E740481C1C}">
+                <a14:useLocalDpi xmlns:a14="http://schemas.microsoft.com/office/drawing/2010/main" val="0"/>
+              </a:ext>
+            </a:extLst>
+          </a:blip>
+          <a:stretch>
+            <a:fillRect/>
+          </a:stretch>
+        </p:blipFill>
+        <p:spPr>
+          <a:xfrm>
+            <a:off x="7200900" y="4813302"/>
+            <a:ext cx="1117600" cy="203200"/>
+          </a:xfrm>
+          <a:prstGeom prst="rect">
+            <a:avLst/>
+          </a:prstGeom>
+        </p:spPr>
+      </p:pic>
+      <p:pic>
+        <p:nvPicPr>
+          <p:cNvPr id="22" name="Picture 21" descr="latex-image-1.pdf"/>
+          <p:cNvPicPr>
+            <a:picLocks noChangeAspect="1"/>
+          </p:cNvPicPr>
+          <p:nvPr/>
+        </p:nvPicPr>
+        <p:blipFill>
+          <a:blip r:embed="rId17">
+            <a:extLst>
+              <a:ext uri="{28A0092B-C50C-407E-A947-70E740481C1C}">
+                <a14:useLocalDpi xmlns:a14="http://schemas.microsoft.com/office/drawing/2010/main" val="0"/>
+              </a:ext>
+            </a:extLst>
+          </a:blip>
+          <a:stretch>
+            <a:fillRect/>
+          </a:stretch>
+        </p:blipFill>
+        <p:spPr>
+          <a:xfrm>
+            <a:off x="8280400" y="4255587"/>
+            <a:ext cx="673100" cy="203200"/>
+          </a:xfrm>
+          <a:prstGeom prst="rect">
+            <a:avLst/>
+          </a:prstGeom>
+        </p:spPr>
+      </p:pic>
+      <p:pic>
+        <p:nvPicPr>
+          <p:cNvPr id="24" name="Picture 23" descr="latex-image-1.pdf"/>
+          <p:cNvPicPr>
+            <a:picLocks noChangeAspect="1"/>
+          </p:cNvPicPr>
+          <p:nvPr/>
+        </p:nvPicPr>
+        <p:blipFill>
+          <a:blip r:embed="rId18">
+            <a:extLst>
+              <a:ext uri="{28A0092B-C50C-407E-A947-70E740481C1C}">
+                <a14:useLocalDpi xmlns:a14="http://schemas.microsoft.com/office/drawing/2010/main" val="0"/>
+              </a:ext>
+            </a:extLst>
+          </a:blip>
+          <a:stretch>
+            <a:fillRect/>
+          </a:stretch>
+        </p:blipFill>
+        <p:spPr>
+          <a:xfrm>
+            <a:off x="7213600" y="5092700"/>
+            <a:ext cx="1473200" cy="203200"/>
+          </a:xfrm>
+          <a:prstGeom prst="rect">
+            <a:avLst/>
+          </a:prstGeom>
+        </p:spPr>
+      </p:pic>
+      <p:pic>
+        <p:nvPicPr>
+          <p:cNvPr id="44" name="Picture 43" descr="latex-image-1.pdf"/>
+          <p:cNvPicPr>
+            <a:picLocks noChangeAspect="1"/>
+          </p:cNvPicPr>
+          <p:nvPr/>
+        </p:nvPicPr>
+        <p:blipFill>
+          <a:blip r:embed="rId19">
+            <a:extLst>
+              <a:ext uri="{28A0092B-C50C-407E-A947-70E740481C1C}">
+                <a14:useLocalDpi xmlns:a14="http://schemas.microsoft.com/office/drawing/2010/main" val="0"/>
+              </a:ext>
+            </a:extLst>
+          </a:blip>
+          <a:stretch>
+            <a:fillRect/>
+          </a:stretch>
+        </p:blipFill>
+        <p:spPr>
+          <a:xfrm>
+            <a:off x="4836067" y="5156200"/>
+            <a:ext cx="1054100" cy="215900"/>
+          </a:xfrm>
+          <a:prstGeom prst="rect">
+            <a:avLst/>
+          </a:prstGeom>
+        </p:spPr>
+      </p:pic>
+      <p:pic>
+        <p:nvPicPr>
+          <p:cNvPr id="61" name="Picture 60" descr="latex-image-1.pdf"/>
+          <p:cNvPicPr>
+            <a:picLocks noChangeAspect="1"/>
+          </p:cNvPicPr>
+          <p:nvPr/>
+        </p:nvPicPr>
+        <p:blipFill>
+          <a:blip r:embed="rId20">
+            <a:extLst>
+              <a:ext uri="{28A0092B-C50C-407E-A947-70E740481C1C}">
+                <a14:useLocalDpi xmlns:a14="http://schemas.microsoft.com/office/drawing/2010/main" val="0"/>
+              </a:ext>
+            </a:extLst>
+          </a:blip>
+          <a:stretch>
+            <a:fillRect/>
+          </a:stretch>
+        </p:blipFill>
+        <p:spPr>
+          <a:xfrm>
+            <a:off x="1906996" y="2451418"/>
+            <a:ext cx="266700" cy="190500"/>
+          </a:xfrm>
+          <a:prstGeom prst="rect">
+            <a:avLst/>
+          </a:prstGeom>
+        </p:spPr>
+      </p:pic>
+      <p:pic>
+        <p:nvPicPr>
+          <p:cNvPr id="62" name="Picture 61" descr="latex-image-1.pdf"/>
+          <p:cNvPicPr>
+            <a:picLocks noChangeAspect="1"/>
+          </p:cNvPicPr>
+          <p:nvPr/>
+        </p:nvPicPr>
+        <p:blipFill>
+          <a:blip r:embed="rId21">
+            <a:extLst>
+              <a:ext uri="{28A0092B-C50C-407E-A947-70E740481C1C}">
+                <a14:useLocalDpi xmlns:a14="http://schemas.microsoft.com/office/drawing/2010/main" val="0"/>
+              </a:ext>
+            </a:extLst>
+          </a:blip>
+          <a:stretch>
+            <a:fillRect/>
+          </a:stretch>
+        </p:blipFill>
+        <p:spPr>
+          <a:xfrm>
+            <a:off x="2471952" y="2803152"/>
+            <a:ext cx="266700" cy="190500"/>
+          </a:xfrm>
+          <a:prstGeom prst="rect">
+            <a:avLst/>
+          </a:prstGeom>
+        </p:spPr>
+      </p:pic>
+      <p:pic>
+        <p:nvPicPr>
+          <p:cNvPr id="63" name="Picture 62" descr="latex-image-1.pdf"/>
+          <p:cNvPicPr>
+            <a:picLocks noChangeAspect="1"/>
+          </p:cNvPicPr>
+          <p:nvPr/>
+        </p:nvPicPr>
+        <p:blipFill>
+          <a:blip r:embed="rId22">
+            <a:extLst>
+              <a:ext uri="{28A0092B-C50C-407E-A947-70E740481C1C}">
+                <a14:useLocalDpi xmlns:a14="http://schemas.microsoft.com/office/drawing/2010/main" val="0"/>
+              </a:ext>
+            </a:extLst>
+          </a:blip>
+          <a:stretch>
+            <a:fillRect/>
+          </a:stretch>
+        </p:blipFill>
+        <p:spPr>
+          <a:xfrm>
+            <a:off x="1881595" y="3626517"/>
+            <a:ext cx="266700" cy="190500"/>
+          </a:xfrm>
+          <a:prstGeom prst="rect">
+            <a:avLst/>
+          </a:prstGeom>
+        </p:spPr>
+      </p:pic>
+      <p:grpSp>
+        <p:nvGrpSpPr>
+          <p:cNvPr id="95" name="Group 94"/>
+          <p:cNvGrpSpPr/>
+          <p:nvPr/>
+        </p:nvGrpSpPr>
+        <p:grpSpPr>
+          <a:xfrm>
+            <a:off x="5832494" y="2912019"/>
+            <a:ext cx="428606" cy="774700"/>
+            <a:chOff x="5832494" y="1772516"/>
+            <a:chExt cx="428606" cy="774700"/>
+          </a:xfrm>
+        </p:grpSpPr>
+        <p:cxnSp>
+          <p:nvCxnSpPr>
+            <p:cNvPr id="96" name="Connecteur droit avec flèche 24"/>
+            <p:cNvCxnSpPr/>
+            <p:nvPr/>
+          </p:nvCxnSpPr>
+          <p:spPr>
+            <a:xfrm>
+              <a:off x="5832494" y="2159866"/>
+              <a:ext cx="428606" cy="0"/>
+            </a:xfrm>
+            <a:prstGeom prst="straightConnector1">
+              <a:avLst/>
+            </a:prstGeom>
+            <a:ln w="19050" cmpd="sng">
+              <a:solidFill>
+                <a:srgbClr val="0000FF"/>
+              </a:solidFill>
+              <a:headEnd type="none"/>
+              <a:tailEnd type="none"/>
+            </a:ln>
+          </p:spPr>
+          <p:style>
+            <a:lnRef idx="2">
+              <a:schemeClr val="accent1"/>
+            </a:lnRef>
+            <a:fillRef idx="0">
+              <a:schemeClr val="accent1"/>
+            </a:fillRef>
+            <a:effectRef idx="1">
+              <a:schemeClr val="accent1"/>
+            </a:effectRef>
+            <a:fontRef idx="minor">
+              <a:schemeClr val="tx1"/>
+            </a:fontRef>
+          </p:style>
+        </p:cxnSp>
+        <p:cxnSp>
+          <p:nvCxnSpPr>
+            <p:cNvPr id="97" name="Connecteur droit avec flèche 24"/>
+            <p:cNvCxnSpPr/>
+            <p:nvPr/>
+          </p:nvCxnSpPr>
+          <p:spPr>
+            <a:xfrm flipV="1">
+              <a:off x="5832494" y="1772516"/>
+              <a:ext cx="428606" cy="184150"/>
+            </a:xfrm>
+            <a:prstGeom prst="straightConnector1">
+              <a:avLst/>
+            </a:prstGeom>
+            <a:ln w="19050" cmpd="sng">
+              <a:solidFill>
+                <a:srgbClr val="0000FF"/>
+              </a:solidFill>
+              <a:headEnd type="none"/>
+              <a:tailEnd type="none"/>
+            </a:ln>
+          </p:spPr>
+          <p:style>
+            <a:lnRef idx="2">
+              <a:schemeClr val="accent1"/>
+            </a:lnRef>
+            <a:fillRef idx="0">
+              <a:schemeClr val="accent1"/>
+            </a:fillRef>
+            <a:effectRef idx="1">
+              <a:schemeClr val="accent1"/>
+            </a:effectRef>
+            <a:fontRef idx="minor">
+              <a:schemeClr val="tx1"/>
+            </a:fontRef>
+          </p:style>
+        </p:cxnSp>
+        <p:cxnSp>
+          <p:nvCxnSpPr>
+            <p:cNvPr id="98" name="Connecteur droit avec flèche 24"/>
+            <p:cNvCxnSpPr/>
+            <p:nvPr/>
+          </p:nvCxnSpPr>
+          <p:spPr>
+            <a:xfrm>
+              <a:off x="5832494" y="2336054"/>
+              <a:ext cx="428606" cy="211162"/>
+            </a:xfrm>
+            <a:prstGeom prst="straightConnector1">
+              <a:avLst/>
+            </a:prstGeom>
+            <a:ln w="19050" cmpd="sng">
+              <a:solidFill>
+                <a:srgbClr val="0000FF"/>
+              </a:solidFill>
+              <a:headEnd type="none"/>
+              <a:tailEnd type="none"/>
+            </a:ln>
+          </p:spPr>
+          <p:style>
+            <a:lnRef idx="2">
+              <a:schemeClr val="accent1"/>
+            </a:lnRef>
+            <a:fillRef idx="0">
+              <a:schemeClr val="accent1"/>
+            </a:fillRef>
+            <a:effectRef idx="1">
+              <a:schemeClr val="accent1"/>
+            </a:effectRef>
+            <a:fontRef idx="minor">
+              <a:schemeClr val="tx1"/>
+            </a:fontRef>
+          </p:style>
+        </p:cxnSp>
+      </p:grpSp>
+      <p:grpSp>
+        <p:nvGrpSpPr>
+          <p:cNvPr id="99" name="Group 98"/>
+          <p:cNvGrpSpPr/>
+          <p:nvPr/>
+        </p:nvGrpSpPr>
+        <p:grpSpPr>
+          <a:xfrm>
+            <a:off x="5832494" y="4048071"/>
+            <a:ext cx="428606" cy="774700"/>
+            <a:chOff x="5832494" y="1772516"/>
+            <a:chExt cx="428606" cy="774700"/>
+          </a:xfrm>
+        </p:grpSpPr>
+        <p:cxnSp>
+          <p:nvCxnSpPr>
+            <p:cNvPr id="100" name="Connecteur droit avec flèche 24"/>
+            <p:cNvCxnSpPr/>
+            <p:nvPr/>
+          </p:nvCxnSpPr>
+          <p:spPr>
+            <a:xfrm>
+              <a:off x="5832494" y="2159866"/>
+              <a:ext cx="428606" cy="0"/>
+            </a:xfrm>
+            <a:prstGeom prst="straightConnector1">
+              <a:avLst/>
+            </a:prstGeom>
+            <a:ln w="19050" cmpd="sng">
+              <a:solidFill>
+                <a:srgbClr val="0000FF"/>
+              </a:solidFill>
+              <a:headEnd type="none"/>
+              <a:tailEnd type="none"/>
+            </a:ln>
+          </p:spPr>
+          <p:style>
+            <a:lnRef idx="2">
+              <a:schemeClr val="accent1"/>
+            </a:lnRef>
+            <a:fillRef idx="0">
+              <a:schemeClr val="accent1"/>
+            </a:fillRef>
+            <a:effectRef idx="1">
+              <a:schemeClr val="accent1"/>
+            </a:effectRef>
+            <a:fontRef idx="minor">
+              <a:schemeClr val="tx1"/>
+            </a:fontRef>
+          </p:style>
+        </p:cxnSp>
+        <p:cxnSp>
+          <p:nvCxnSpPr>
+            <p:cNvPr id="101" name="Connecteur droit avec flèche 24"/>
+            <p:cNvCxnSpPr/>
+            <p:nvPr/>
+          </p:nvCxnSpPr>
+          <p:spPr>
+            <a:xfrm flipV="1">
+              <a:off x="5832494" y="1772516"/>
+              <a:ext cx="428606" cy="184150"/>
+            </a:xfrm>
+            <a:prstGeom prst="straightConnector1">
+              <a:avLst/>
+            </a:prstGeom>
+            <a:ln w="19050" cmpd="sng">
+              <a:solidFill>
+                <a:srgbClr val="0000FF"/>
+              </a:solidFill>
+              <a:headEnd type="none"/>
+              <a:tailEnd type="none"/>
+            </a:ln>
+          </p:spPr>
+          <p:style>
+            <a:lnRef idx="2">
+              <a:schemeClr val="accent1"/>
+            </a:lnRef>
+            <a:fillRef idx="0">
+              <a:schemeClr val="accent1"/>
+            </a:fillRef>
+            <a:effectRef idx="1">
+              <a:schemeClr val="accent1"/>
+            </a:effectRef>
+            <a:fontRef idx="minor">
+              <a:schemeClr val="tx1"/>
+            </a:fontRef>
+          </p:style>
+        </p:cxnSp>
+        <p:cxnSp>
+          <p:nvCxnSpPr>
+            <p:cNvPr id="102" name="Connecteur droit avec flèche 24"/>
+            <p:cNvCxnSpPr/>
+            <p:nvPr/>
+          </p:nvCxnSpPr>
+          <p:spPr>
+            <a:xfrm>
+              <a:off x="5832494" y="2336054"/>
+              <a:ext cx="428606" cy="211162"/>
+            </a:xfrm>
+            <a:prstGeom prst="straightConnector1">
+              <a:avLst/>
+            </a:prstGeom>
+            <a:ln w="19050" cmpd="sng">
+              <a:solidFill>
+                <a:srgbClr val="0000FF"/>
+              </a:solidFill>
+              <a:headEnd type="none"/>
+              <a:tailEnd type="none"/>
+            </a:ln>
+          </p:spPr>
+          <p:style>
+            <a:lnRef idx="2">
+              <a:schemeClr val="accent1"/>
+            </a:lnRef>
+            <a:fillRef idx="0">
+              <a:schemeClr val="accent1"/>
+            </a:fillRef>
+            <a:effectRef idx="1">
+              <a:schemeClr val="accent1"/>
+            </a:effectRef>
+            <a:fontRef idx="minor">
+              <a:schemeClr val="tx1"/>
+            </a:fontRef>
+          </p:style>
+        </p:cxnSp>
+      </p:grpSp>
+      <p:grpSp>
+        <p:nvGrpSpPr>
+          <p:cNvPr id="68" name="Group 67"/>
+          <p:cNvGrpSpPr/>
+          <p:nvPr/>
+        </p:nvGrpSpPr>
+        <p:grpSpPr>
+          <a:xfrm>
+            <a:off x="7073900" y="454451"/>
+            <a:ext cx="1866655" cy="1701517"/>
+            <a:chOff x="7073900" y="257601"/>
+            <a:chExt cx="1866655" cy="1701517"/>
+          </a:xfrm>
+        </p:grpSpPr>
+        <p:pic>
+          <p:nvPicPr>
+            <p:cNvPr id="27" name="Picture 26" descr="latex-image-1.pdf"/>
+            <p:cNvPicPr>
+              <a:picLocks noChangeAspect="1"/>
+            </p:cNvPicPr>
+            <p:nvPr/>
+          </p:nvPicPr>
+          <p:blipFill>
+            <a:blip r:embed="rId23">
+              <a:extLst>
+                <a:ext uri="{28A0092B-C50C-407E-A947-70E740481C1C}">
+                  <a14:useLocalDpi xmlns:a14="http://schemas.microsoft.com/office/drawing/2010/main" val="0"/>
+                </a:ext>
+              </a:extLst>
+            </a:blip>
+            <a:stretch>
+              <a:fillRect/>
+            </a:stretch>
+          </p:blipFill>
+          <p:spPr>
+            <a:xfrm>
+              <a:off x="7200660" y="922469"/>
+              <a:ext cx="1511300" cy="152400"/>
+            </a:xfrm>
+            <a:prstGeom prst="rect">
+              <a:avLst/>
+            </a:prstGeom>
+          </p:spPr>
+        </p:pic>
+        <p:pic>
+          <p:nvPicPr>
+            <p:cNvPr id="28" name="Picture 27" descr="latex-image-1.pdf"/>
+            <p:cNvPicPr>
+              <a:picLocks noChangeAspect="1"/>
+            </p:cNvPicPr>
+            <p:nvPr/>
+          </p:nvPicPr>
+          <p:blipFill>
+            <a:blip r:embed="rId24">
+              <a:extLst>
+                <a:ext uri="{28A0092B-C50C-407E-A947-70E740481C1C}">
+                  <a14:useLocalDpi xmlns:a14="http://schemas.microsoft.com/office/drawing/2010/main" val="0"/>
+                </a:ext>
+              </a:extLst>
+            </a:blip>
+            <a:stretch>
+              <a:fillRect/>
+            </a:stretch>
+          </p:blipFill>
+          <p:spPr>
+            <a:xfrm>
+              <a:off x="7213355" y="509200"/>
+              <a:ext cx="1727200" cy="190500"/>
+            </a:xfrm>
+            <a:prstGeom prst="rect">
+              <a:avLst/>
+            </a:prstGeom>
+          </p:spPr>
+        </p:pic>
+        <p:pic>
+          <p:nvPicPr>
+            <p:cNvPr id="29" name="Picture 28" descr="latex-image-1.pdf"/>
+            <p:cNvPicPr>
+              <a:picLocks noChangeAspect="1"/>
+            </p:cNvPicPr>
+            <p:nvPr/>
+          </p:nvPicPr>
+          <p:blipFill>
+            <a:blip r:embed="rId25">
+              <a:extLst>
+                <a:ext uri="{28A0092B-C50C-407E-A947-70E740481C1C}">
+                  <a14:useLocalDpi xmlns:a14="http://schemas.microsoft.com/office/drawing/2010/main" val="0"/>
+                </a:ext>
+              </a:extLst>
+            </a:blip>
+            <a:stretch>
+              <a:fillRect/>
+            </a:stretch>
+          </p:blipFill>
+          <p:spPr>
+            <a:xfrm>
+              <a:off x="7239000" y="1333500"/>
+              <a:ext cx="1270000" cy="177800"/>
+            </a:xfrm>
+            <a:prstGeom prst="rect">
+              <a:avLst/>
+            </a:prstGeom>
+          </p:spPr>
+        </p:pic>
+        <p:pic>
+          <p:nvPicPr>
+            <p:cNvPr id="30" name="Picture 29" descr="latex-image-1.pdf"/>
+            <p:cNvPicPr>
+              <a:picLocks noChangeAspect="1"/>
+            </p:cNvPicPr>
+            <p:nvPr/>
+          </p:nvPicPr>
+          <p:blipFill>
+            <a:blip r:embed="rId26">
+              <a:extLst>
+                <a:ext uri="{28A0092B-C50C-407E-A947-70E740481C1C}">
+                  <a14:useLocalDpi xmlns:a14="http://schemas.microsoft.com/office/drawing/2010/main" val="0"/>
+                </a:ext>
+              </a:extLst>
+            </a:blip>
+            <a:stretch>
+              <a:fillRect/>
+            </a:stretch>
+          </p:blipFill>
+          <p:spPr>
+            <a:xfrm>
+              <a:off x="7217099" y="1806718"/>
+              <a:ext cx="1003300" cy="152400"/>
+            </a:xfrm>
+            <a:prstGeom prst="rect">
+              <a:avLst/>
+            </a:prstGeom>
+          </p:spPr>
+        </p:pic>
+        <p:pic>
+          <p:nvPicPr>
+            <p:cNvPr id="31" name="Picture 30" descr="latex-image-1.pdf"/>
+            <p:cNvPicPr>
+              <a:picLocks noChangeAspect="1"/>
+            </p:cNvPicPr>
+            <p:nvPr/>
+          </p:nvPicPr>
+          <p:blipFill>
+            <a:blip r:embed="rId27">
+              <a:extLst>
+                <a:ext uri="{28A0092B-C50C-407E-A947-70E740481C1C}">
+                  <a14:useLocalDpi xmlns:a14="http://schemas.microsoft.com/office/drawing/2010/main" val="0"/>
+                </a:ext>
+              </a:extLst>
+            </a:blip>
+            <a:stretch>
+              <a:fillRect/>
+            </a:stretch>
+          </p:blipFill>
+          <p:spPr>
+            <a:xfrm>
+              <a:off x="7226300" y="1578047"/>
+              <a:ext cx="1498600" cy="152400"/>
+            </a:xfrm>
+            <a:prstGeom prst="rect">
+              <a:avLst/>
+            </a:prstGeom>
+          </p:spPr>
+        </p:pic>
+        <p:sp>
+          <p:nvSpPr>
+            <p:cNvPr id="32" name="Rectangle 31"/>
+            <p:cNvSpPr/>
+            <p:nvPr/>
+          </p:nvSpPr>
+          <p:spPr>
+            <a:xfrm>
+              <a:off x="7077159" y="257601"/>
+              <a:ext cx="807921" cy="276999"/>
+            </a:xfrm>
+            <a:prstGeom prst="rect">
+              <a:avLst/>
+            </a:prstGeom>
+          </p:spPr>
+          <p:txBody>
+            <a:bodyPr wrap="none">
+              <a:spAutoFit/>
+            </a:bodyPr>
+            <a:lstStyle/>
+            <a:p>
+              <a:r>
+                <a:rPr lang="en-US" sz="1200" b="1" i="1" dirty="0" smtClean="0">
+                  <a:solidFill>
+                    <a:srgbClr val="000000"/>
+                  </a:solidFill>
+                </a:rPr>
+                <a:t>Notation:</a:t>
+              </a:r>
+              <a:endParaRPr lang="en-US" sz="1200" dirty="0"/>
+            </a:p>
+          </p:txBody>
+        </p:sp>
+        <p:pic>
+          <p:nvPicPr>
+            <p:cNvPr id="66" name="Picture 65" descr="latex-image-1.pdf"/>
+            <p:cNvPicPr>
+              <a:picLocks noChangeAspect="1"/>
+            </p:cNvPicPr>
+            <p:nvPr/>
+          </p:nvPicPr>
+          <p:blipFill>
+            <a:blip r:embed="rId28">
+              <a:extLst>
+                <a:ext uri="{28A0092B-C50C-407E-A947-70E740481C1C}">
+                  <a14:useLocalDpi xmlns:a14="http://schemas.microsoft.com/office/drawing/2010/main" val="0"/>
+                </a:ext>
+              </a:extLst>
+            </a:blip>
+            <a:stretch>
+              <a:fillRect/>
+            </a:stretch>
+          </p:blipFill>
+          <p:spPr>
+            <a:xfrm>
+              <a:off x="7073900" y="1136650"/>
+              <a:ext cx="1422400" cy="165100"/>
+            </a:xfrm>
+            <a:prstGeom prst="rect">
+              <a:avLst/>
+            </a:prstGeom>
+          </p:spPr>
+        </p:pic>
+        <p:pic>
+          <p:nvPicPr>
+            <p:cNvPr id="67" name="Picture 66" descr="latex-image-1.pdf"/>
+            <p:cNvPicPr>
+              <a:picLocks noChangeAspect="1"/>
+            </p:cNvPicPr>
+            <p:nvPr/>
+          </p:nvPicPr>
+          <p:blipFill>
+            <a:blip r:embed="rId29">
+              <a:extLst>
+                <a:ext uri="{28A0092B-C50C-407E-A947-70E740481C1C}">
+                  <a14:useLocalDpi xmlns:a14="http://schemas.microsoft.com/office/drawing/2010/main" val="0"/>
+                </a:ext>
+              </a:extLst>
+            </a:blip>
+            <a:stretch>
+              <a:fillRect/>
+            </a:stretch>
+          </p:blipFill>
+          <p:spPr>
+            <a:xfrm>
+              <a:off x="7296150" y="731969"/>
+              <a:ext cx="1295400" cy="152400"/>
+            </a:xfrm>
+            <a:prstGeom prst="rect">
+              <a:avLst/>
+            </a:prstGeom>
+          </p:spPr>
+        </p:pic>
+      </p:grpSp>
+      <p:pic>
+        <p:nvPicPr>
+          <p:cNvPr id="69" name="Picture 68" descr="latex-image-1.pdf"/>
+          <p:cNvPicPr>
+            <a:picLocks noChangeAspect="1"/>
+          </p:cNvPicPr>
+          <p:nvPr/>
+        </p:nvPicPr>
+        <p:blipFill>
+          <a:blip r:embed="rId30">
+            <a:extLst>
+              <a:ext uri="{28A0092B-C50C-407E-A947-70E740481C1C}">
+                <a14:useLocalDpi xmlns:a14="http://schemas.microsoft.com/office/drawing/2010/main" val="0"/>
+              </a:ext>
+            </a:extLst>
+          </a:blip>
+          <a:stretch>
+            <a:fillRect/>
+          </a:stretch>
+        </p:blipFill>
+        <p:spPr>
+          <a:xfrm>
+            <a:off x="773783" y="2415152"/>
+            <a:ext cx="635000" cy="152400"/>
+          </a:xfrm>
+          <a:prstGeom prst="rect">
+            <a:avLst/>
+          </a:prstGeom>
+        </p:spPr>
+      </p:pic>
+      <p:pic>
+        <p:nvPicPr>
+          <p:cNvPr id="72" name="Picture 71" descr="latex-image-1.pdf"/>
+          <p:cNvPicPr>
+            <a:picLocks noChangeAspect="1"/>
+          </p:cNvPicPr>
+          <p:nvPr/>
+        </p:nvPicPr>
+        <p:blipFill>
+          <a:blip r:embed="rId31">
+            <a:extLst>
+              <a:ext uri="{28A0092B-C50C-407E-A947-70E740481C1C}">
+                <a14:useLocalDpi xmlns:a14="http://schemas.microsoft.com/office/drawing/2010/main" val="0"/>
+              </a:ext>
+            </a:extLst>
+          </a:blip>
+          <a:stretch>
+            <a:fillRect/>
+          </a:stretch>
+        </p:blipFill>
+        <p:spPr>
+          <a:xfrm>
+            <a:off x="6512563" y="1309819"/>
+            <a:ext cx="317500" cy="152400"/>
+          </a:xfrm>
+          <a:prstGeom prst="rect">
+            <a:avLst/>
+          </a:prstGeom>
+        </p:spPr>
+      </p:pic>
+      <p:pic>
+        <p:nvPicPr>
+          <p:cNvPr id="73" name="Picture 72" descr="latex-image-1.pdf"/>
+          <p:cNvPicPr>
+            <a:picLocks noChangeAspect="1"/>
+          </p:cNvPicPr>
+          <p:nvPr/>
+        </p:nvPicPr>
+        <p:blipFill>
+          <a:blip r:embed="rId32">
+            <a:extLst>
+              <a:ext uri="{28A0092B-C50C-407E-A947-70E740481C1C}">
+                <a14:useLocalDpi xmlns:a14="http://schemas.microsoft.com/office/drawing/2010/main" val="0"/>
+              </a:ext>
+            </a:extLst>
+          </a:blip>
+          <a:stretch>
+            <a:fillRect/>
+          </a:stretch>
+        </p:blipFill>
+        <p:spPr>
+          <a:xfrm>
+            <a:off x="5092700" y="1567066"/>
+            <a:ext cx="304800" cy="152400"/>
+          </a:xfrm>
+          <a:prstGeom prst="rect">
+            <a:avLst/>
+          </a:prstGeom>
+        </p:spPr>
+      </p:pic>
+      <p:pic>
+        <p:nvPicPr>
+          <p:cNvPr id="74" name="Picture 73" descr="latex-image-1.pdf"/>
+          <p:cNvPicPr>
+            <a:picLocks noChangeAspect="1"/>
+          </p:cNvPicPr>
+          <p:nvPr/>
+        </p:nvPicPr>
+        <p:blipFill>
+          <a:blip r:embed="rId33">
+            <a:extLst>
+              <a:ext uri="{28A0092B-C50C-407E-A947-70E740481C1C}">
+                <a14:useLocalDpi xmlns:a14="http://schemas.microsoft.com/office/drawing/2010/main" val="0"/>
+              </a:ext>
+            </a:extLst>
+          </a:blip>
+          <a:stretch>
+            <a:fillRect/>
+          </a:stretch>
+        </p:blipFill>
+        <p:spPr>
+          <a:xfrm>
+            <a:off x="2590800" y="4883150"/>
+            <a:ext cx="1117600" cy="266700"/>
+          </a:xfrm>
+          <a:prstGeom prst="rect">
+            <a:avLst/>
+          </a:prstGeom>
+        </p:spPr>
+      </p:pic>
+    </p:spTree>
+    <p:extLst>
+      <p:ext uri="{BB962C8B-B14F-4D97-AF65-F5344CB8AC3E}">
+        <p14:creationId xmlns:p14="http://schemas.microsoft.com/office/powerpoint/2010/main" val="606012389"/>
+      </p:ext>
+    </p:extLst>
+  </p:cSld>
+  <p:clrMapOvr>
+    <a:masterClrMapping/>
+  </p:clrMapOvr>
+  <mc:AlternateContent xmlns:mc="http://schemas.openxmlformats.org/markup-compatibility/2006" xmlns:p14="http://schemas.microsoft.com/office/powerpoint/2010/main">
+    <mc:Choice Requires="p14">
+      <p:transition spd="slow" p14:dur="2000"/>
+    </mc:Choice>
+    <mc:Fallback xmlns="">
+      <p:transition xmlns:p14="http://schemas.microsoft.com/office/powerpoint/2010/main" spd="slow"/>
+    </mc:Fallback>
+  </mc:AlternateContent>
+  <p:timing>
+    <p:tnLst>
+      <p:par>
+        <p:cTn xmlns:p14="http://schemas.microsoft.com/office/powerpoint/2010/main" id="1" dur="indefinite" restart="never" nodeType="tmRoot"/>
+      </p:par>
+    </p:tnLst>
+  </p:timing>
+</p:sld>
+</file>
+
+<file path=ppt/slides/slide3.xml><?xml version="1.0" encoding="utf-8"?>
+<p:sld xmlns:a="http://schemas.openxmlformats.org/drawingml/2006/main" xmlns:r="http://schemas.openxmlformats.org/officeDocument/2006/relationships" xmlns:p="http://schemas.openxmlformats.org/presentationml/2006/main">
+  <p:cSld>
+    <p:spTree>
+      <p:nvGrpSpPr>
+        <p:cNvPr id="1" name=""/>
+        <p:cNvGrpSpPr/>
+        <p:nvPr/>
+      </p:nvGrpSpPr>
+      <p:grpSpPr>
+        <a:xfrm>
+          <a:off x="0" y="0"/>
+          <a:ext cx="0" cy="0"/>
+          <a:chOff x="0" y="0"/>
+          <a:chExt cx="0" cy="0"/>
+        </a:xfrm>
+      </p:grpSpPr>
+      <p:grpSp>
+        <p:nvGrpSpPr>
+          <p:cNvPr id="7" name="Group 6"/>
+          <p:cNvGrpSpPr/>
+          <p:nvPr/>
+        </p:nvGrpSpPr>
+        <p:grpSpPr>
+          <a:xfrm>
+            <a:off x="245661" y="2080226"/>
+            <a:ext cx="1444273" cy="1355971"/>
+            <a:chOff x="3163426" y="245699"/>
+            <a:chExt cx="1444273" cy="1355971"/>
+          </a:xfrm>
+        </p:grpSpPr>
+        <p:pic>
+          <p:nvPicPr>
+            <p:cNvPr id="4" name="Picture 3"/>
+            <p:cNvPicPr>
+              <a:picLocks noChangeAspect="1"/>
+            </p:cNvPicPr>
+            <p:nvPr/>
+          </p:nvPicPr>
+          <p:blipFill>
+            <a:blip r:embed="rId3"/>
+            <a:stretch>
+              <a:fillRect/>
+            </a:stretch>
+          </p:blipFill>
+          <p:spPr>
+            <a:xfrm>
+              <a:off x="3163426" y="245699"/>
+              <a:ext cx="1444273" cy="1036256"/>
+            </a:xfrm>
+            <a:prstGeom prst="rect">
+              <a:avLst/>
+            </a:prstGeom>
+          </p:spPr>
+        </p:pic>
+        <p:sp>
+          <p:nvSpPr>
+            <p:cNvPr id="52" name="Rectangle 51"/>
+            <p:cNvSpPr/>
+            <p:nvPr/>
+          </p:nvSpPr>
+          <p:spPr>
+            <a:xfrm>
+              <a:off x="3263115" y="1201560"/>
+              <a:ext cx="1263124" cy="400110"/>
+            </a:xfrm>
+            <a:prstGeom prst="rect">
+              <a:avLst/>
+            </a:prstGeom>
+          </p:spPr>
+          <p:txBody>
+            <a:bodyPr wrap="none">
+              <a:spAutoFit/>
+            </a:bodyPr>
+            <a:lstStyle/>
+            <a:p>
+              <a:pPr algn="ctr"/>
+              <a:r>
+                <a:rPr lang="en-US" sz="1000" b="1" i="1" dirty="0" smtClean="0"/>
+                <a:t>Telecommunication</a:t>
+              </a:r>
+            </a:p>
+            <a:p>
+              <a:pPr algn="ctr"/>
+              <a:r>
+                <a:rPr lang="en-US" sz="1000" b="1" i="1" dirty="0" smtClean="0"/>
+                <a:t>networks</a:t>
+              </a:r>
+              <a:endParaRPr lang="fr-FR" sz="1000" i="1" dirty="0"/>
+            </a:p>
+          </p:txBody>
+        </p:sp>
+      </p:grpSp>
+      <p:sp>
+        <p:nvSpPr>
+          <p:cNvPr id="16" name="Espace réservé de la date 15"/>
+          <p:cNvSpPr>
+            <a:spLocks noGrp="1"/>
+          </p:cNvSpPr>
+          <p:nvPr>
+            <p:ph type="dt" sz="half" idx="10"/>
+          </p:nvPr>
+        </p:nvSpPr>
+        <p:spPr>
+          <a:xfrm>
+            <a:off x="457200" y="6492900"/>
+            <a:ext cx="2133600" cy="365125"/>
+          </a:xfrm>
+        </p:spPr>
+        <p:txBody>
+          <a:bodyPr/>
+          <a:lstStyle/>
+          <a:p>
+            <a:r>
+              <a:rPr lang="fr-CH" dirty="0" smtClean="0"/>
+              <a:t>Xavier Bresson</a:t>
+            </a:r>
+            <a:endParaRPr lang="fr-FR" dirty="0"/>
+          </a:p>
+        </p:txBody>
+      </p:sp>
+      <p:sp>
+        <p:nvSpPr>
+          <p:cNvPr id="20" name="Espace réservé du numéro de diapositive 19"/>
+          <p:cNvSpPr>
+            <a:spLocks noGrp="1"/>
+          </p:cNvSpPr>
+          <p:nvPr>
+            <p:ph type="sldNum" sz="quarter" idx="12"/>
+          </p:nvPr>
+        </p:nvSpPr>
+        <p:spPr>
+          <a:xfrm>
+            <a:off x="6553200" y="6492900"/>
+            <a:ext cx="2133600" cy="365125"/>
+          </a:xfrm>
+        </p:spPr>
+        <p:txBody>
+          <a:bodyPr/>
+          <a:lstStyle/>
+          <a:p>
+            <a:fld id="{34822820-DAF5-5949-8ED9-EDCE9107EE41}" type="slidenum">
+              <a:rPr lang="fr-FR" smtClean="0"/>
+              <a:t>3</a:t>
+            </a:fld>
+            <a:endParaRPr lang="fr-FR"/>
+          </a:p>
+        </p:txBody>
+      </p:sp>
+      <p:cxnSp>
+        <p:nvCxnSpPr>
+          <p:cNvPr id="12" name="Connecteur droit avec flèche 11"/>
+          <p:cNvCxnSpPr/>
+          <p:nvPr/>
+        </p:nvCxnSpPr>
+        <p:spPr>
+          <a:xfrm flipV="1">
+            <a:off x="3163426" y="2430973"/>
+            <a:ext cx="663573" cy="297430"/>
+          </a:xfrm>
+          <a:prstGeom prst="straightConnector1">
+            <a:avLst/>
+          </a:prstGeom>
+          <a:ln w="12700" cmpd="sng">
+            <a:solidFill>
+              <a:srgbClr val="FF0000"/>
+            </a:solidFill>
+            <a:tailEnd type="arrow"/>
+          </a:ln>
+        </p:spPr>
+        <p:style>
+          <a:lnRef idx="2">
+            <a:schemeClr val="accent1"/>
+          </a:lnRef>
+          <a:fillRef idx="0">
+            <a:schemeClr val="accent1"/>
+          </a:fillRef>
+          <a:effectRef idx="1">
+            <a:schemeClr val="accent1"/>
+          </a:effectRef>
+          <a:fontRef idx="minor">
+            <a:schemeClr val="tx1"/>
+          </a:fontRef>
+        </p:style>
+      </p:cxnSp>
+      <p:cxnSp>
+        <p:nvCxnSpPr>
+          <p:cNvPr id="13" name="Connecteur droit avec flèche 12"/>
+          <p:cNvCxnSpPr/>
+          <p:nvPr/>
+        </p:nvCxnSpPr>
+        <p:spPr>
+          <a:xfrm>
+            <a:off x="3163426" y="2728400"/>
+            <a:ext cx="743353" cy="277611"/>
+          </a:xfrm>
+          <a:prstGeom prst="straightConnector1">
+            <a:avLst/>
+          </a:prstGeom>
+          <a:ln w="12700" cmpd="sng">
+            <a:solidFill>
+              <a:srgbClr val="FF0000"/>
+            </a:solidFill>
+            <a:tailEnd type="arrow"/>
+          </a:ln>
+        </p:spPr>
+        <p:style>
+          <a:lnRef idx="2">
+            <a:schemeClr val="accent1"/>
+          </a:lnRef>
+          <a:fillRef idx="0">
+            <a:schemeClr val="accent1"/>
+          </a:fillRef>
+          <a:effectRef idx="1">
+            <a:schemeClr val="accent1"/>
+          </a:effectRef>
+          <a:fontRef idx="minor">
+            <a:schemeClr val="tx1"/>
+          </a:fontRef>
+        </p:style>
+      </p:cxnSp>
+      <p:cxnSp>
+        <p:nvCxnSpPr>
+          <p:cNvPr id="14" name="Connecteur droit avec flèche 13"/>
+          <p:cNvCxnSpPr/>
+          <p:nvPr/>
+        </p:nvCxnSpPr>
+        <p:spPr>
+          <a:xfrm flipV="1">
+            <a:off x="3163426" y="1849779"/>
+            <a:ext cx="663573" cy="878621"/>
+          </a:xfrm>
+          <a:prstGeom prst="straightConnector1">
+            <a:avLst/>
+          </a:prstGeom>
+          <a:ln w="12700" cmpd="sng">
+            <a:solidFill>
+              <a:srgbClr val="FF0000"/>
+            </a:solidFill>
+            <a:tailEnd type="arrow"/>
+          </a:ln>
+        </p:spPr>
+        <p:style>
+          <a:lnRef idx="2">
+            <a:schemeClr val="accent1"/>
+          </a:lnRef>
+          <a:fillRef idx="0">
+            <a:schemeClr val="accent1"/>
+          </a:fillRef>
+          <a:effectRef idx="1">
+            <a:schemeClr val="accent1"/>
+          </a:effectRef>
+          <a:fontRef idx="minor">
+            <a:schemeClr val="tx1"/>
+          </a:fontRef>
+        </p:style>
+      </p:cxnSp>
+      <p:cxnSp>
+        <p:nvCxnSpPr>
+          <p:cNvPr id="15" name="Connecteur droit avec flèche 14"/>
+          <p:cNvCxnSpPr/>
+          <p:nvPr/>
+        </p:nvCxnSpPr>
+        <p:spPr>
+          <a:xfrm>
+            <a:off x="3149576" y="2725273"/>
+            <a:ext cx="757203" cy="807827"/>
+          </a:xfrm>
+          <a:prstGeom prst="straightConnector1">
+            <a:avLst/>
+          </a:prstGeom>
+          <a:ln w="12700" cmpd="sng">
+            <a:solidFill>
+              <a:srgbClr val="FF0000"/>
+            </a:solidFill>
+            <a:tailEnd type="arrow"/>
+          </a:ln>
+        </p:spPr>
+        <p:style>
+          <a:lnRef idx="2">
+            <a:schemeClr val="accent1"/>
+          </a:lnRef>
+          <a:fillRef idx="0">
+            <a:schemeClr val="accent1"/>
+          </a:fillRef>
+          <a:effectRef idx="1">
+            <a:schemeClr val="accent1"/>
+          </a:effectRef>
+          <a:fontRef idx="minor">
+            <a:schemeClr val="tx1"/>
+          </a:fontRef>
+        </p:style>
+      </p:cxnSp>
+      <p:sp>
+        <p:nvSpPr>
+          <p:cNvPr id="22" name="Rectangle 21"/>
+          <p:cNvSpPr/>
+          <p:nvPr/>
+        </p:nvSpPr>
+        <p:spPr>
+          <a:xfrm>
+            <a:off x="2913057" y="4283495"/>
+            <a:ext cx="1724863" cy="769441"/>
+          </a:xfrm>
+          <a:prstGeom prst="rect">
+            <a:avLst/>
+          </a:prstGeom>
+        </p:spPr>
+        <p:txBody>
+          <a:bodyPr wrap="square">
+            <a:spAutoFit/>
+          </a:bodyPr>
+          <a:lstStyle/>
+          <a:p>
+            <a:pPr algn="ctr"/>
+            <a:r>
+              <a:rPr lang="en-US" sz="1200" b="1" i="1" dirty="0" smtClean="0">
+                <a:solidFill>
+                  <a:srgbClr val="FF0000"/>
+                </a:solidFill>
+              </a:rPr>
+              <a:t>Sparse Feature Extraction with</a:t>
+            </a:r>
+            <a:endParaRPr lang="en-US" sz="1200" b="1" i="1" dirty="0">
+              <a:solidFill>
+                <a:srgbClr val="FF0000"/>
+              </a:solidFill>
+            </a:endParaRPr>
+          </a:p>
+          <a:p>
+            <a:pPr algn="ctr"/>
+            <a:r>
+              <a:rPr lang="en-US" sz="1200" b="1" i="1" dirty="0" smtClean="0">
+                <a:solidFill>
+                  <a:srgbClr val="FF0000"/>
+                </a:solidFill>
+              </a:rPr>
+              <a:t>Graph Filters</a:t>
+            </a:r>
+          </a:p>
+          <a:p>
+            <a:pPr algn="ctr"/>
+            <a:r>
+              <a:rPr lang="en-US" sz="800" b="1" i="1" dirty="0" smtClean="0">
+                <a:solidFill>
+                  <a:srgbClr val="FF0000"/>
+                </a:solidFill>
+              </a:rPr>
+              <a:t>(Filters are automatically learned)</a:t>
+            </a:r>
+          </a:p>
+        </p:txBody>
+      </p:sp>
+      <p:cxnSp>
+        <p:nvCxnSpPr>
+          <p:cNvPr id="23" name="Connecteur droit avec flèche 22"/>
+          <p:cNvCxnSpPr/>
+          <p:nvPr/>
+        </p:nvCxnSpPr>
+        <p:spPr>
+          <a:xfrm flipV="1">
+            <a:off x="5113887" y="1486773"/>
+            <a:ext cx="832904" cy="1"/>
+          </a:xfrm>
+          <a:prstGeom prst="straightConnector1">
+            <a:avLst/>
+          </a:prstGeom>
+          <a:ln w="12700" cmpd="sng">
+            <a:solidFill>
+              <a:srgbClr val="0000FF"/>
+            </a:solidFill>
+            <a:tailEnd type="arrow"/>
+          </a:ln>
+        </p:spPr>
+        <p:style>
+          <a:lnRef idx="2">
+            <a:schemeClr val="accent1"/>
+          </a:lnRef>
+          <a:fillRef idx="0">
+            <a:schemeClr val="accent1"/>
+          </a:fillRef>
+          <a:effectRef idx="1">
+            <a:schemeClr val="accent1"/>
+          </a:effectRef>
+          <a:fontRef idx="minor">
+            <a:schemeClr val="tx1"/>
+          </a:fontRef>
+        </p:style>
+      </p:cxnSp>
+      <p:cxnSp>
+        <p:nvCxnSpPr>
+          <p:cNvPr id="24" name="Connecteur droit avec flèche 23"/>
+          <p:cNvCxnSpPr/>
+          <p:nvPr/>
+        </p:nvCxnSpPr>
+        <p:spPr>
+          <a:xfrm flipV="1">
+            <a:off x="4981594" y="1541998"/>
+            <a:ext cx="965197" cy="694131"/>
+          </a:xfrm>
+          <a:prstGeom prst="straightConnector1">
+            <a:avLst/>
+          </a:prstGeom>
+          <a:ln w="12700" cmpd="sng">
+            <a:solidFill>
+              <a:srgbClr val="0000FF"/>
+            </a:solidFill>
+            <a:tailEnd type="arrow"/>
+          </a:ln>
+        </p:spPr>
+        <p:style>
+          <a:lnRef idx="2">
+            <a:schemeClr val="accent1"/>
+          </a:lnRef>
+          <a:fillRef idx="0">
+            <a:schemeClr val="accent1"/>
+          </a:fillRef>
+          <a:effectRef idx="1">
+            <a:schemeClr val="accent1"/>
+          </a:effectRef>
+          <a:fontRef idx="minor">
+            <a:schemeClr val="tx1"/>
+          </a:fontRef>
+        </p:style>
+      </p:cxnSp>
+      <p:cxnSp>
+        <p:nvCxnSpPr>
+          <p:cNvPr id="25" name="Connecteur droit avec flèche 24"/>
+          <p:cNvCxnSpPr/>
+          <p:nvPr/>
+        </p:nvCxnSpPr>
+        <p:spPr>
+          <a:xfrm flipV="1">
+            <a:off x="4981594" y="1624834"/>
+            <a:ext cx="965197" cy="1264840"/>
+          </a:xfrm>
+          <a:prstGeom prst="straightConnector1">
+            <a:avLst/>
+          </a:prstGeom>
+          <a:ln w="12700" cmpd="sng">
+            <a:solidFill>
+              <a:srgbClr val="0000FF"/>
+            </a:solidFill>
+            <a:tailEnd type="arrow"/>
+          </a:ln>
+        </p:spPr>
+        <p:style>
+          <a:lnRef idx="2">
+            <a:schemeClr val="accent1"/>
+          </a:lnRef>
+          <a:fillRef idx="0">
+            <a:schemeClr val="accent1"/>
+          </a:fillRef>
+          <a:effectRef idx="1">
+            <a:schemeClr val="accent1"/>
+          </a:effectRef>
+          <a:fontRef idx="minor">
+            <a:schemeClr val="tx1"/>
+          </a:fontRef>
+        </p:style>
+      </p:cxnSp>
+      <p:cxnSp>
+        <p:nvCxnSpPr>
+          <p:cNvPr id="26" name="Connecteur droit avec flèche 25"/>
+          <p:cNvCxnSpPr/>
+          <p:nvPr/>
+        </p:nvCxnSpPr>
+        <p:spPr>
+          <a:xfrm flipV="1">
+            <a:off x="5023009" y="1734652"/>
+            <a:ext cx="965197" cy="2027388"/>
+          </a:xfrm>
+          <a:prstGeom prst="straightConnector1">
+            <a:avLst/>
+          </a:prstGeom>
+          <a:ln w="12700" cmpd="sng">
+            <a:solidFill>
+              <a:srgbClr val="0000FF"/>
+            </a:solidFill>
+            <a:tailEnd type="arrow"/>
+          </a:ln>
+        </p:spPr>
+        <p:style>
+          <a:lnRef idx="2">
+            <a:schemeClr val="accent1"/>
+          </a:lnRef>
+          <a:fillRef idx="0">
+            <a:schemeClr val="accent1"/>
+          </a:fillRef>
+          <a:effectRef idx="1">
+            <a:schemeClr val="accent1"/>
+          </a:effectRef>
+          <a:fontRef idx="minor">
+            <a:schemeClr val="tx1"/>
+          </a:fontRef>
+        </p:style>
+      </p:cxnSp>
+      <p:sp>
+        <p:nvSpPr>
+          <p:cNvPr id="28" name="Rectangle 27"/>
+          <p:cNvSpPr/>
+          <p:nvPr/>
+        </p:nvSpPr>
+        <p:spPr>
+          <a:xfrm>
+            <a:off x="4773377" y="4283495"/>
+            <a:ext cx="1724863" cy="646331"/>
+          </a:xfrm>
+          <a:prstGeom prst="rect">
+            <a:avLst/>
+          </a:prstGeom>
+        </p:spPr>
+        <p:txBody>
+          <a:bodyPr wrap="square">
+            <a:spAutoFit/>
+          </a:bodyPr>
+          <a:lstStyle/>
+          <a:p>
+            <a:pPr algn="ctr"/>
+            <a:r>
+              <a:rPr lang="en-US" sz="1200" b="1" i="1" dirty="0" smtClean="0">
+                <a:solidFill>
+                  <a:srgbClr val="0000FF"/>
+                </a:solidFill>
+              </a:rPr>
+              <a:t>Graph Coarsening</a:t>
+            </a:r>
+            <a:endParaRPr lang="en-US" sz="800" b="1" i="1" dirty="0" smtClean="0">
+              <a:solidFill>
+                <a:srgbClr val="0000FF"/>
+              </a:solidFill>
+            </a:endParaRPr>
+          </a:p>
+          <a:p>
+            <a:pPr algn="ctr"/>
+            <a:r>
+              <a:rPr lang="en-US" sz="1200" b="1" i="1" dirty="0" smtClean="0">
+                <a:solidFill>
+                  <a:srgbClr val="0000FF"/>
+                </a:solidFill>
+              </a:rPr>
+              <a:t>+ Connected Network</a:t>
+            </a:r>
+          </a:p>
+          <a:p>
+            <a:pPr algn="ctr"/>
+            <a:r>
+              <a:rPr lang="en-US" sz="1200" b="1" i="1" dirty="0" smtClean="0">
+                <a:solidFill>
+                  <a:srgbClr val="0000FF"/>
+                </a:solidFill>
+              </a:rPr>
+              <a:t>+ Non-linear Activation</a:t>
+            </a:r>
+          </a:p>
+        </p:txBody>
+      </p:sp>
+      <p:sp>
+        <p:nvSpPr>
+          <p:cNvPr id="29" name="Rectangle 28"/>
+          <p:cNvSpPr/>
+          <p:nvPr/>
+        </p:nvSpPr>
+        <p:spPr>
+          <a:xfrm>
+            <a:off x="6791201" y="1849779"/>
+            <a:ext cx="732066" cy="1015663"/>
+          </a:xfrm>
+          <a:prstGeom prst="rect">
+            <a:avLst/>
+          </a:prstGeom>
+        </p:spPr>
+        <p:txBody>
+          <a:bodyPr wrap="none">
+            <a:spAutoFit/>
+          </a:bodyPr>
+          <a:lstStyle/>
+          <a:p>
+            <a:r>
+              <a:rPr lang="en-US" sz="6000" b="1" dirty="0" smtClean="0"/>
+              <a:t>…</a:t>
+            </a:r>
+            <a:endParaRPr lang="fr-FR" sz="6000" dirty="0"/>
+          </a:p>
+        </p:txBody>
+      </p:sp>
+      <p:sp>
+        <p:nvSpPr>
+          <p:cNvPr id="30" name="Rectangle 29"/>
+          <p:cNvSpPr/>
+          <p:nvPr/>
+        </p:nvSpPr>
+        <p:spPr>
+          <a:xfrm>
+            <a:off x="7708235" y="4283495"/>
+            <a:ext cx="1724863" cy="400110"/>
+          </a:xfrm>
+          <a:prstGeom prst="rect">
+            <a:avLst/>
+          </a:prstGeom>
+        </p:spPr>
+        <p:txBody>
+          <a:bodyPr wrap="square">
+            <a:spAutoFit/>
+          </a:bodyPr>
+          <a:lstStyle/>
+          <a:p>
+            <a:pPr algn="ctr"/>
+            <a:r>
+              <a:rPr lang="en-US" sz="1200" b="1" dirty="0" smtClean="0">
+                <a:solidFill>
+                  <a:srgbClr val="660066"/>
+                </a:solidFill>
+              </a:rPr>
+              <a:t>Classification</a:t>
+            </a:r>
+          </a:p>
+          <a:p>
+            <a:pPr algn="ctr"/>
+            <a:r>
+              <a:rPr lang="en-US" sz="800" b="1" dirty="0" smtClean="0">
+                <a:solidFill>
+                  <a:srgbClr val="660066"/>
+                </a:solidFill>
+              </a:rPr>
+              <a:t>(SVM on graphs)</a:t>
+            </a:r>
+          </a:p>
+        </p:txBody>
+      </p:sp>
+      <p:cxnSp>
+        <p:nvCxnSpPr>
+          <p:cNvPr id="31" name="Connecteur droit avec flèche 30"/>
+          <p:cNvCxnSpPr/>
+          <p:nvPr/>
+        </p:nvCxnSpPr>
+        <p:spPr>
+          <a:xfrm>
+            <a:off x="7481852" y="1215255"/>
+            <a:ext cx="946042" cy="677395"/>
+          </a:xfrm>
+          <a:prstGeom prst="straightConnector1">
+            <a:avLst/>
+          </a:prstGeom>
+          <a:ln w="12700" cmpd="sng">
+            <a:solidFill>
+              <a:srgbClr val="008000"/>
+            </a:solidFill>
+            <a:tailEnd type="arrow"/>
+          </a:ln>
+        </p:spPr>
+        <p:style>
+          <a:lnRef idx="2">
+            <a:schemeClr val="accent1"/>
+          </a:lnRef>
+          <a:fillRef idx="0">
+            <a:schemeClr val="accent1"/>
+          </a:fillRef>
+          <a:effectRef idx="1">
+            <a:schemeClr val="accent1"/>
+          </a:effectRef>
+          <a:fontRef idx="minor">
+            <a:schemeClr val="tx1"/>
+          </a:fontRef>
+        </p:style>
+      </p:cxnSp>
+      <p:sp>
+        <p:nvSpPr>
+          <p:cNvPr id="32" name="Rectangle 31"/>
+          <p:cNvSpPr/>
+          <p:nvPr/>
+        </p:nvSpPr>
+        <p:spPr>
+          <a:xfrm rot="10800000" flipV="1">
+            <a:off x="8469309" y="1272132"/>
+            <a:ext cx="575733" cy="2862323"/>
+          </a:xfrm>
+          <a:prstGeom prst="rect">
+            <a:avLst/>
+          </a:prstGeom>
+        </p:spPr>
+        <p:txBody>
+          <a:bodyPr wrap="square">
+            <a:spAutoFit/>
+          </a:bodyPr>
+          <a:lstStyle/>
+          <a:p>
+            <a:r>
+              <a:rPr lang="en-US" dirty="0" smtClean="0">
+                <a:solidFill>
+                  <a:srgbClr val="660066"/>
+                </a:solidFill>
+              </a:rPr>
+              <a:t>•</a:t>
+            </a:r>
+          </a:p>
+          <a:p>
+            <a:r>
+              <a:rPr lang="en-US" dirty="0">
+                <a:solidFill>
+                  <a:srgbClr val="660066"/>
+                </a:solidFill>
+              </a:rPr>
+              <a:t>•</a:t>
+            </a:r>
+            <a:endParaRPr lang="fr-FR" dirty="0">
+              <a:solidFill>
+                <a:srgbClr val="660066"/>
+              </a:solidFill>
+            </a:endParaRPr>
+          </a:p>
+          <a:p>
+            <a:r>
+              <a:rPr lang="en-US" dirty="0">
+                <a:solidFill>
+                  <a:srgbClr val="660066"/>
+                </a:solidFill>
+              </a:rPr>
+              <a:t>•</a:t>
+            </a:r>
+            <a:endParaRPr lang="fr-FR" dirty="0">
+              <a:solidFill>
+                <a:srgbClr val="660066"/>
+              </a:solidFill>
+            </a:endParaRPr>
+          </a:p>
+          <a:p>
+            <a:r>
+              <a:rPr lang="en-US" dirty="0">
+                <a:solidFill>
+                  <a:srgbClr val="660066"/>
+                </a:solidFill>
+              </a:rPr>
+              <a:t>•</a:t>
+            </a:r>
+            <a:endParaRPr lang="fr-FR" dirty="0">
+              <a:solidFill>
+                <a:srgbClr val="660066"/>
+              </a:solidFill>
+            </a:endParaRPr>
+          </a:p>
+          <a:p>
+            <a:r>
+              <a:rPr lang="en-US" dirty="0">
+                <a:solidFill>
+                  <a:srgbClr val="660066"/>
+                </a:solidFill>
+              </a:rPr>
+              <a:t>•</a:t>
+            </a:r>
+            <a:endParaRPr lang="fr-FR" dirty="0">
+              <a:solidFill>
+                <a:srgbClr val="660066"/>
+              </a:solidFill>
+            </a:endParaRPr>
+          </a:p>
+          <a:p>
+            <a:r>
+              <a:rPr lang="en-US" dirty="0">
+                <a:solidFill>
+                  <a:srgbClr val="660066"/>
+                </a:solidFill>
+              </a:rPr>
+              <a:t>•</a:t>
+            </a:r>
+            <a:endParaRPr lang="fr-FR" dirty="0">
+              <a:solidFill>
+                <a:srgbClr val="660066"/>
+              </a:solidFill>
+            </a:endParaRPr>
+          </a:p>
+          <a:p>
+            <a:r>
+              <a:rPr lang="en-US" dirty="0">
+                <a:solidFill>
+                  <a:srgbClr val="660066"/>
+                </a:solidFill>
+              </a:rPr>
+              <a:t>•</a:t>
+            </a:r>
+            <a:endParaRPr lang="fr-FR" dirty="0">
+              <a:solidFill>
+                <a:srgbClr val="660066"/>
+              </a:solidFill>
+            </a:endParaRPr>
+          </a:p>
+          <a:p>
+            <a:r>
+              <a:rPr lang="en-US" dirty="0">
+                <a:solidFill>
+                  <a:srgbClr val="660066"/>
+                </a:solidFill>
+              </a:rPr>
+              <a:t>•</a:t>
+            </a:r>
+            <a:endParaRPr lang="fr-FR" dirty="0">
+              <a:solidFill>
+                <a:srgbClr val="660066"/>
+              </a:solidFill>
+            </a:endParaRPr>
+          </a:p>
+          <a:p>
+            <a:r>
+              <a:rPr lang="en-US" dirty="0">
+                <a:solidFill>
+                  <a:srgbClr val="660066"/>
+                </a:solidFill>
+              </a:rPr>
+              <a:t>•</a:t>
+            </a:r>
+            <a:endParaRPr lang="fr-FR" dirty="0">
+              <a:solidFill>
+                <a:srgbClr val="660066"/>
+              </a:solidFill>
+            </a:endParaRPr>
+          </a:p>
+          <a:p>
+            <a:endParaRPr lang="fr-FR" dirty="0">
+              <a:solidFill>
+                <a:srgbClr val="660066"/>
+              </a:solidFill>
+            </a:endParaRPr>
+          </a:p>
+        </p:txBody>
+      </p:sp>
+      <p:cxnSp>
+        <p:nvCxnSpPr>
+          <p:cNvPr id="37" name="Connecteur droit avec flèche 36"/>
+          <p:cNvCxnSpPr/>
+          <p:nvPr/>
+        </p:nvCxnSpPr>
+        <p:spPr>
+          <a:xfrm>
+            <a:off x="7752779" y="1734652"/>
+            <a:ext cx="675115" cy="216114"/>
+          </a:xfrm>
+          <a:prstGeom prst="straightConnector1">
+            <a:avLst/>
+          </a:prstGeom>
+          <a:ln w="12700" cmpd="sng">
+            <a:solidFill>
+              <a:srgbClr val="008000"/>
+            </a:solidFill>
+            <a:tailEnd type="arrow"/>
+          </a:ln>
+        </p:spPr>
+        <p:style>
+          <a:lnRef idx="2">
+            <a:schemeClr val="accent1"/>
+          </a:lnRef>
+          <a:fillRef idx="0">
+            <a:schemeClr val="accent1"/>
+          </a:fillRef>
+          <a:effectRef idx="1">
+            <a:schemeClr val="accent1"/>
+          </a:effectRef>
+          <a:fontRef idx="minor">
+            <a:schemeClr val="tx1"/>
+          </a:fontRef>
+        </p:style>
+      </p:cxnSp>
+      <p:cxnSp>
+        <p:nvCxnSpPr>
+          <p:cNvPr id="38" name="Connecteur droit avec flèche 37"/>
+          <p:cNvCxnSpPr/>
+          <p:nvPr/>
+        </p:nvCxnSpPr>
+        <p:spPr>
+          <a:xfrm flipV="1">
+            <a:off x="7918984" y="1999269"/>
+            <a:ext cx="522715" cy="292812"/>
+          </a:xfrm>
+          <a:prstGeom prst="straightConnector1">
+            <a:avLst/>
+          </a:prstGeom>
+          <a:ln w="12700" cmpd="sng">
+            <a:solidFill>
+              <a:srgbClr val="008000"/>
+            </a:solidFill>
+            <a:tailEnd type="arrow"/>
+          </a:ln>
+        </p:spPr>
+        <p:style>
+          <a:lnRef idx="2">
+            <a:schemeClr val="accent1"/>
+          </a:lnRef>
+          <a:fillRef idx="0">
+            <a:schemeClr val="accent1"/>
+          </a:fillRef>
+          <a:effectRef idx="1">
+            <a:schemeClr val="accent1"/>
+          </a:effectRef>
+          <a:fontRef idx="minor">
+            <a:schemeClr val="tx1"/>
+          </a:fontRef>
+        </p:style>
+      </p:cxnSp>
+      <p:cxnSp>
+        <p:nvCxnSpPr>
+          <p:cNvPr id="39" name="Connecteur droit avec flèche 38"/>
+          <p:cNvCxnSpPr/>
+          <p:nvPr/>
+        </p:nvCxnSpPr>
+        <p:spPr>
+          <a:xfrm flipV="1">
+            <a:off x="7794194" y="2053897"/>
+            <a:ext cx="675115" cy="717239"/>
+          </a:xfrm>
+          <a:prstGeom prst="straightConnector1">
+            <a:avLst/>
+          </a:prstGeom>
+          <a:ln w="12700" cmpd="sng">
+            <a:solidFill>
+              <a:srgbClr val="008000"/>
+            </a:solidFill>
+            <a:tailEnd type="arrow"/>
+          </a:ln>
+        </p:spPr>
+        <p:style>
+          <a:lnRef idx="2">
+            <a:schemeClr val="accent1"/>
+          </a:lnRef>
+          <a:fillRef idx="0">
+            <a:schemeClr val="accent1"/>
+          </a:fillRef>
+          <a:effectRef idx="1">
+            <a:schemeClr val="accent1"/>
+          </a:effectRef>
+          <a:fontRef idx="minor">
+            <a:schemeClr val="tx1"/>
+          </a:fontRef>
+        </p:style>
+      </p:cxnSp>
+      <p:cxnSp>
+        <p:nvCxnSpPr>
+          <p:cNvPr id="40" name="Connecteur droit avec flèche 39"/>
+          <p:cNvCxnSpPr/>
+          <p:nvPr/>
+        </p:nvCxnSpPr>
+        <p:spPr>
+          <a:xfrm flipV="1">
+            <a:off x="7794194" y="2122550"/>
+            <a:ext cx="675115" cy="1043634"/>
+          </a:xfrm>
+          <a:prstGeom prst="straightConnector1">
+            <a:avLst/>
+          </a:prstGeom>
+          <a:ln w="12700" cmpd="sng">
+            <a:solidFill>
+              <a:srgbClr val="008000"/>
+            </a:solidFill>
+            <a:tailEnd type="arrow"/>
+          </a:ln>
+        </p:spPr>
+        <p:style>
+          <a:lnRef idx="2">
+            <a:schemeClr val="accent1"/>
+          </a:lnRef>
+          <a:fillRef idx="0">
+            <a:schemeClr val="accent1"/>
+          </a:fillRef>
+          <a:effectRef idx="1">
+            <a:schemeClr val="accent1"/>
+          </a:effectRef>
+          <a:fontRef idx="minor">
+            <a:schemeClr val="tx1"/>
+          </a:fontRef>
+        </p:style>
+      </p:cxnSp>
+      <p:sp>
+        <p:nvSpPr>
+          <p:cNvPr id="41" name="Rectangle 40"/>
+          <p:cNvSpPr/>
+          <p:nvPr/>
+        </p:nvSpPr>
+        <p:spPr>
+          <a:xfrm>
+            <a:off x="7000412" y="3158474"/>
+            <a:ext cx="1724863" cy="338554"/>
+          </a:xfrm>
+          <a:prstGeom prst="rect">
+            <a:avLst/>
+          </a:prstGeom>
+        </p:spPr>
+        <p:txBody>
+          <a:bodyPr wrap="square">
+            <a:spAutoFit/>
+          </a:bodyPr>
+          <a:lstStyle/>
+          <a:p>
+            <a:pPr algn="ctr"/>
+            <a:r>
+              <a:rPr lang="en-US" sz="800" b="1" dirty="0" smtClean="0">
+                <a:solidFill>
+                  <a:srgbClr val="008000"/>
+                </a:solidFill>
+              </a:rPr>
+              <a:t>Fully </a:t>
+            </a:r>
+            <a:r>
+              <a:rPr lang="en-US" sz="800" b="1" dirty="0">
+                <a:solidFill>
+                  <a:srgbClr val="008000"/>
+                </a:solidFill>
+              </a:rPr>
+              <a:t>C</a:t>
+            </a:r>
+            <a:r>
+              <a:rPr lang="en-US" sz="800" b="1" dirty="0" smtClean="0">
+                <a:solidFill>
+                  <a:srgbClr val="008000"/>
+                </a:solidFill>
+              </a:rPr>
+              <a:t>onnected </a:t>
+            </a:r>
+          </a:p>
+          <a:p>
+            <a:pPr algn="ctr"/>
+            <a:r>
+              <a:rPr lang="en-US" sz="800" b="1" dirty="0">
+                <a:solidFill>
+                  <a:srgbClr val="008000"/>
+                </a:solidFill>
+              </a:rPr>
+              <a:t>N</a:t>
+            </a:r>
+            <a:r>
+              <a:rPr lang="en-US" sz="800" b="1" dirty="0" smtClean="0">
+                <a:solidFill>
+                  <a:srgbClr val="008000"/>
+                </a:solidFill>
+              </a:rPr>
+              <a:t>etwork</a:t>
+            </a:r>
+          </a:p>
+        </p:txBody>
+      </p:sp>
+      <p:sp>
+        <p:nvSpPr>
+          <p:cNvPr id="45" name="Rectangle 44"/>
+          <p:cNvSpPr/>
+          <p:nvPr/>
+        </p:nvSpPr>
+        <p:spPr>
+          <a:xfrm>
+            <a:off x="1771235" y="4283495"/>
+            <a:ext cx="1355309" cy="461665"/>
+          </a:xfrm>
+          <a:prstGeom prst="rect">
+            <a:avLst/>
+          </a:prstGeom>
+        </p:spPr>
+        <p:txBody>
+          <a:bodyPr wrap="none">
+            <a:spAutoFit/>
+          </a:bodyPr>
+          <a:lstStyle/>
+          <a:p>
+            <a:pPr algn="ctr"/>
+            <a:r>
+              <a:rPr lang="en-US" sz="1200" b="1" i="1" dirty="0" smtClean="0">
+                <a:solidFill>
+                  <a:srgbClr val="FF6600"/>
+                </a:solidFill>
+              </a:rPr>
+              <a:t>Graph or network</a:t>
+            </a:r>
+          </a:p>
+          <a:p>
+            <a:pPr algn="ctr"/>
+            <a:r>
+              <a:rPr lang="en-US" sz="1200" b="1" i="1" dirty="0" smtClean="0">
+                <a:solidFill>
+                  <a:srgbClr val="FF6600"/>
+                </a:solidFill>
+              </a:rPr>
+              <a:t> of data </a:t>
+            </a:r>
+          </a:p>
+        </p:txBody>
+      </p:sp>
+      <p:sp>
+        <p:nvSpPr>
+          <p:cNvPr id="47" name="Rectangle 46"/>
+          <p:cNvSpPr/>
+          <p:nvPr/>
+        </p:nvSpPr>
+        <p:spPr>
+          <a:xfrm>
+            <a:off x="6644056" y="4283495"/>
+            <a:ext cx="1032629" cy="584776"/>
+          </a:xfrm>
+          <a:prstGeom prst="rect">
+            <a:avLst/>
+          </a:prstGeom>
+        </p:spPr>
+        <p:txBody>
+          <a:bodyPr wrap="none">
+            <a:spAutoFit/>
+          </a:bodyPr>
+          <a:lstStyle/>
+          <a:p>
+            <a:pPr algn="ctr"/>
+            <a:r>
+              <a:rPr lang="en-US" sz="1200" b="1" i="1" dirty="0" smtClean="0"/>
+              <a:t>Multiple </a:t>
+            </a:r>
+          </a:p>
+          <a:p>
+            <a:pPr algn="ctr"/>
+            <a:r>
+              <a:rPr lang="en-US" sz="1200" b="1" i="1" dirty="0" smtClean="0"/>
+              <a:t>Layers</a:t>
+            </a:r>
+          </a:p>
+          <a:p>
+            <a:pPr algn="ctr"/>
+            <a:r>
+              <a:rPr lang="en-US" sz="800" b="1" i="1" dirty="0" smtClean="0"/>
+              <a:t>(Deep architecture)</a:t>
+            </a:r>
+            <a:endParaRPr lang="fr-FR" sz="800" i="1" dirty="0"/>
+          </a:p>
+        </p:txBody>
+      </p:sp>
+      <p:pic>
+        <p:nvPicPr>
+          <p:cNvPr id="49" name="Image 48"/>
+          <p:cNvPicPr>
+            <a:picLocks noChangeAspect="1"/>
+          </p:cNvPicPr>
+          <p:nvPr/>
+        </p:nvPicPr>
+        <p:blipFill>
+          <a:blip r:embed="rId4"/>
+          <a:stretch>
+            <a:fillRect/>
+          </a:stretch>
+        </p:blipFill>
+        <p:spPr>
+          <a:xfrm>
+            <a:off x="2138360" y="2247464"/>
+            <a:ext cx="906368" cy="1235956"/>
+          </a:xfrm>
+          <a:prstGeom prst="rect">
+            <a:avLst/>
+          </a:prstGeom>
+        </p:spPr>
+      </p:pic>
+      <p:pic>
+        <p:nvPicPr>
+          <p:cNvPr id="50" name="Image 49"/>
+          <p:cNvPicPr>
+            <a:picLocks noChangeAspect="1"/>
+          </p:cNvPicPr>
+          <p:nvPr/>
+        </p:nvPicPr>
+        <p:blipFill>
+          <a:blip r:embed="rId5"/>
+          <a:stretch>
+            <a:fillRect/>
+          </a:stretch>
+        </p:blipFill>
+        <p:spPr>
+          <a:xfrm rot="19674046">
+            <a:off x="3975804" y="1325703"/>
+            <a:ext cx="662116" cy="677396"/>
+          </a:xfrm>
+          <a:prstGeom prst="rect">
+            <a:avLst/>
+          </a:prstGeom>
+        </p:spPr>
+      </p:pic>
+      <p:pic>
+        <p:nvPicPr>
+          <p:cNvPr id="64" name="Image 63"/>
+          <p:cNvPicPr>
+            <a:picLocks noChangeAspect="1"/>
+          </p:cNvPicPr>
+          <p:nvPr/>
+        </p:nvPicPr>
+        <p:blipFill>
+          <a:blip r:embed="rId5"/>
+          <a:stretch>
+            <a:fillRect/>
+          </a:stretch>
+        </p:blipFill>
+        <p:spPr>
+          <a:xfrm rot="2434945">
+            <a:off x="3975804" y="2012102"/>
+            <a:ext cx="662116" cy="677396"/>
+          </a:xfrm>
+          <a:prstGeom prst="rect">
+            <a:avLst/>
+          </a:prstGeom>
+        </p:spPr>
+      </p:pic>
+      <p:pic>
+        <p:nvPicPr>
+          <p:cNvPr id="65" name="Image 64"/>
+          <p:cNvPicPr>
+            <a:picLocks noChangeAspect="1"/>
+          </p:cNvPicPr>
+          <p:nvPr/>
+        </p:nvPicPr>
+        <p:blipFill>
+          <a:blip r:embed="rId5"/>
+          <a:stretch>
+            <a:fillRect/>
+          </a:stretch>
+        </p:blipFill>
+        <p:spPr>
+          <a:xfrm rot="8399146">
+            <a:off x="3975804" y="2667313"/>
+            <a:ext cx="662116" cy="677396"/>
+          </a:xfrm>
+          <a:prstGeom prst="rect">
+            <a:avLst/>
+          </a:prstGeom>
+        </p:spPr>
+      </p:pic>
+      <p:pic>
+        <p:nvPicPr>
+          <p:cNvPr id="66" name="Image 65"/>
+          <p:cNvPicPr>
+            <a:picLocks noChangeAspect="1"/>
+          </p:cNvPicPr>
+          <p:nvPr/>
+        </p:nvPicPr>
+        <p:blipFill>
+          <a:blip r:embed="rId5"/>
+          <a:stretch>
+            <a:fillRect/>
+          </a:stretch>
+        </p:blipFill>
+        <p:spPr>
+          <a:xfrm rot="20192485">
+            <a:off x="3975804" y="3344709"/>
+            <a:ext cx="662116" cy="677396"/>
+          </a:xfrm>
+          <a:prstGeom prst="rect">
+            <a:avLst/>
+          </a:prstGeom>
+        </p:spPr>
+      </p:pic>
+      <p:pic>
+        <p:nvPicPr>
+          <p:cNvPr id="67" name="Image 66"/>
+          <p:cNvPicPr>
+            <a:picLocks noChangeAspect="1"/>
+          </p:cNvPicPr>
+          <p:nvPr/>
+        </p:nvPicPr>
+        <p:blipFill>
+          <a:blip r:embed="rId6"/>
+          <a:stretch>
+            <a:fillRect/>
+          </a:stretch>
+        </p:blipFill>
+        <p:spPr>
+          <a:xfrm>
+            <a:off x="6222261" y="1084692"/>
+            <a:ext cx="444429" cy="451373"/>
+          </a:xfrm>
+          <a:prstGeom prst="rect">
+            <a:avLst/>
+          </a:prstGeom>
+        </p:spPr>
+      </p:pic>
+      <p:pic>
+        <p:nvPicPr>
+          <p:cNvPr id="68" name="Image 67"/>
+          <p:cNvPicPr>
+            <a:picLocks noChangeAspect="1"/>
+          </p:cNvPicPr>
+          <p:nvPr/>
+        </p:nvPicPr>
+        <p:blipFill>
+          <a:blip r:embed="rId6"/>
+          <a:stretch>
+            <a:fillRect/>
+          </a:stretch>
+        </p:blipFill>
+        <p:spPr>
+          <a:xfrm rot="4589761">
+            <a:off x="6222261" y="1663320"/>
+            <a:ext cx="444429" cy="451373"/>
+          </a:xfrm>
+          <a:prstGeom prst="rect">
+            <a:avLst/>
+          </a:prstGeom>
+        </p:spPr>
+      </p:pic>
+      <p:pic>
+        <p:nvPicPr>
+          <p:cNvPr id="69" name="Image 68"/>
+          <p:cNvPicPr>
+            <a:picLocks noChangeAspect="1"/>
+          </p:cNvPicPr>
+          <p:nvPr/>
+        </p:nvPicPr>
+        <p:blipFill>
+          <a:blip r:embed="rId6"/>
+          <a:stretch>
+            <a:fillRect/>
+          </a:stretch>
+        </p:blipFill>
+        <p:spPr>
+          <a:xfrm rot="16200000">
+            <a:off x="6222261" y="2189909"/>
+            <a:ext cx="444429" cy="451373"/>
+          </a:xfrm>
+          <a:prstGeom prst="rect">
+            <a:avLst/>
+          </a:prstGeom>
+        </p:spPr>
+      </p:pic>
+      <p:pic>
+        <p:nvPicPr>
+          <p:cNvPr id="70" name="Image 69"/>
+          <p:cNvPicPr>
+            <a:picLocks noChangeAspect="1"/>
+          </p:cNvPicPr>
+          <p:nvPr/>
+        </p:nvPicPr>
+        <p:blipFill>
+          <a:blip r:embed="rId6"/>
+          <a:stretch>
+            <a:fillRect/>
+          </a:stretch>
+        </p:blipFill>
+        <p:spPr>
+          <a:xfrm rot="5014846">
+            <a:off x="6222261" y="2681465"/>
+            <a:ext cx="444429" cy="451373"/>
+          </a:xfrm>
+          <a:prstGeom prst="rect">
+            <a:avLst/>
+          </a:prstGeom>
+        </p:spPr>
+      </p:pic>
+      <p:pic>
+        <p:nvPicPr>
+          <p:cNvPr id="71" name="Image 70"/>
+          <p:cNvPicPr>
+            <a:picLocks noChangeAspect="1"/>
+          </p:cNvPicPr>
+          <p:nvPr/>
+        </p:nvPicPr>
+        <p:blipFill>
+          <a:blip r:embed="rId6"/>
+          <a:stretch>
+            <a:fillRect/>
+          </a:stretch>
+        </p:blipFill>
+        <p:spPr>
+          <a:xfrm rot="13385098">
+            <a:off x="6222261" y="3088976"/>
+            <a:ext cx="444429" cy="451373"/>
+          </a:xfrm>
+          <a:prstGeom prst="rect">
+            <a:avLst/>
+          </a:prstGeom>
+        </p:spPr>
+      </p:pic>
+      <p:pic>
+        <p:nvPicPr>
+          <p:cNvPr id="72" name="Image 71"/>
+          <p:cNvPicPr>
+            <a:picLocks noChangeAspect="1"/>
+          </p:cNvPicPr>
+          <p:nvPr/>
+        </p:nvPicPr>
+        <p:blipFill>
+          <a:blip r:embed="rId6"/>
+          <a:stretch>
+            <a:fillRect/>
+          </a:stretch>
+        </p:blipFill>
+        <p:spPr>
+          <a:xfrm rot="4497725">
+            <a:off x="6222261" y="3627859"/>
+            <a:ext cx="444429" cy="451373"/>
+          </a:xfrm>
+          <a:prstGeom prst="rect">
+            <a:avLst/>
+          </a:prstGeom>
+        </p:spPr>
+      </p:pic>
+      <p:grpSp>
+        <p:nvGrpSpPr>
+          <p:cNvPr id="5" name="Group 4"/>
+          <p:cNvGrpSpPr/>
+          <p:nvPr/>
+        </p:nvGrpSpPr>
+        <p:grpSpPr>
+          <a:xfrm>
+            <a:off x="457201" y="1169141"/>
+            <a:ext cx="1104666" cy="881984"/>
+            <a:chOff x="457201" y="496041"/>
+            <a:chExt cx="1104666" cy="881984"/>
+          </a:xfrm>
+        </p:grpSpPr>
+        <p:pic>
+          <p:nvPicPr>
+            <p:cNvPr id="2" name="Picture 1"/>
+            <p:cNvPicPr>
+              <a:picLocks noChangeAspect="1"/>
+            </p:cNvPicPr>
+            <p:nvPr/>
+          </p:nvPicPr>
+          <p:blipFill>
+            <a:blip r:embed="rId7"/>
+            <a:stretch>
+              <a:fillRect/>
+            </a:stretch>
+          </p:blipFill>
+          <p:spPr>
+            <a:xfrm>
+              <a:off x="457201" y="496041"/>
+              <a:ext cx="1104666" cy="705519"/>
+            </a:xfrm>
+            <a:prstGeom prst="rect">
+              <a:avLst/>
+            </a:prstGeom>
+          </p:spPr>
+        </p:pic>
+        <p:sp>
+          <p:nvSpPr>
+            <p:cNvPr id="48" name="Rectangle 47"/>
+            <p:cNvSpPr/>
+            <p:nvPr/>
+          </p:nvSpPr>
+          <p:spPr>
+            <a:xfrm>
+              <a:off x="480153" y="1131804"/>
+              <a:ext cx="1053293" cy="246221"/>
+            </a:xfrm>
+            <a:prstGeom prst="rect">
+              <a:avLst/>
+            </a:prstGeom>
+          </p:spPr>
+          <p:txBody>
+            <a:bodyPr wrap="none">
+              <a:spAutoFit/>
+            </a:bodyPr>
+            <a:lstStyle/>
+            <a:p>
+              <a:r>
+                <a:rPr lang="en-US" sz="1000" b="1" i="1" dirty="0" smtClean="0"/>
+                <a:t>Social networks</a:t>
+              </a:r>
+              <a:endParaRPr lang="fr-FR" sz="1000" i="1" dirty="0"/>
+            </a:p>
+          </p:txBody>
+        </p:sp>
+      </p:grpSp>
+      <p:grpSp>
+        <p:nvGrpSpPr>
+          <p:cNvPr id="6" name="Group 5"/>
+          <p:cNvGrpSpPr/>
+          <p:nvPr/>
+        </p:nvGrpSpPr>
+        <p:grpSpPr>
+          <a:xfrm>
+            <a:off x="429963" y="3525605"/>
+            <a:ext cx="1101003" cy="970250"/>
+            <a:chOff x="1892435" y="453126"/>
+            <a:chExt cx="1101003" cy="970250"/>
+          </a:xfrm>
+        </p:grpSpPr>
+        <p:sp>
+          <p:nvSpPr>
+            <p:cNvPr id="33" name="Rectangle 32"/>
+            <p:cNvSpPr/>
+            <p:nvPr/>
+          </p:nvSpPr>
+          <p:spPr>
+            <a:xfrm>
+              <a:off x="1947496" y="1177155"/>
+              <a:ext cx="1011653" cy="246221"/>
+            </a:xfrm>
+            <a:prstGeom prst="rect">
+              <a:avLst/>
+            </a:prstGeom>
+          </p:spPr>
+          <p:txBody>
+            <a:bodyPr wrap="none">
+              <a:spAutoFit/>
+            </a:bodyPr>
+            <a:lstStyle/>
+            <a:p>
+              <a:r>
+                <a:rPr lang="en-US" sz="1000" b="1" i="1" dirty="0" smtClean="0"/>
+                <a:t>Brain structure</a:t>
+              </a:r>
+              <a:endParaRPr lang="fr-FR" sz="1000" i="1" dirty="0"/>
+            </a:p>
+          </p:txBody>
+        </p:sp>
+        <p:pic>
+          <p:nvPicPr>
+            <p:cNvPr id="51" name="Image 5"/>
+            <p:cNvPicPr>
+              <a:picLocks noChangeAspect="1"/>
+            </p:cNvPicPr>
+            <p:nvPr/>
+          </p:nvPicPr>
+          <p:blipFill>
+            <a:blip r:embed="rId8"/>
+            <a:stretch>
+              <a:fillRect/>
+            </a:stretch>
+          </p:blipFill>
+          <p:spPr>
+            <a:xfrm>
+              <a:off x="1892435" y="453126"/>
+              <a:ext cx="1101003" cy="804719"/>
+            </a:xfrm>
+            <a:prstGeom prst="rect">
+              <a:avLst/>
+            </a:prstGeom>
+          </p:spPr>
+        </p:pic>
+      </p:grpSp>
+      <p:sp>
+        <p:nvSpPr>
+          <p:cNvPr id="10" name="Rectangle 9"/>
+          <p:cNvSpPr/>
+          <p:nvPr/>
+        </p:nvSpPr>
+        <p:spPr>
+          <a:xfrm>
+            <a:off x="1733740" y="2550821"/>
+            <a:ext cx="397565" cy="553998"/>
+          </a:xfrm>
+          <a:prstGeom prst="rect">
+            <a:avLst/>
+          </a:prstGeom>
+        </p:spPr>
+        <p:txBody>
+          <a:bodyPr wrap="none">
+            <a:spAutoFit/>
+          </a:bodyPr>
+          <a:lstStyle/>
+          <a:p>
+            <a:r>
+              <a:rPr lang="en-US" sz="3000" b="1" i="1" dirty="0" smtClean="0">
+                <a:solidFill>
+                  <a:srgbClr val="FF6600"/>
+                </a:solidFill>
+              </a:rPr>
+              <a:t>=</a:t>
+            </a:r>
+            <a:endParaRPr lang="en-US" sz="3000" dirty="0"/>
+          </a:p>
+        </p:txBody>
+      </p:sp>
+    </p:spTree>
+    <p:extLst>
+      <p:ext uri="{BB962C8B-B14F-4D97-AF65-F5344CB8AC3E}">
+        <p14:creationId xmlns:p14="http://schemas.microsoft.com/office/powerpoint/2010/main" val="1570783370"/>
       </p:ext>
     </p:extLst>
   </p:cSld>
